--- a/Bootcamp project.pptx
+++ b/Bootcamp project.pptx
@@ -5,43 +5,44 @@
     <p:sldMasterId id="2147483674" r:id="rId1"/>
   </p:sldMasterIdLst>
   <p:notesMasterIdLst>
-    <p:notesMasterId r:id="rId11"/>
+    <p:notesMasterId r:id="rId12"/>
   </p:notesMasterIdLst>
   <p:sldIdLst>
     <p:sldId id="256" r:id="rId2"/>
     <p:sldId id="304" r:id="rId3"/>
     <p:sldId id="305" r:id="rId4"/>
-    <p:sldId id="308" r:id="rId5"/>
-    <p:sldId id="309" r:id="rId6"/>
-    <p:sldId id="310" r:id="rId7"/>
-    <p:sldId id="311" r:id="rId8"/>
-    <p:sldId id="312" r:id="rId9"/>
-    <p:sldId id="282" r:id="rId10"/>
+    <p:sldId id="313" r:id="rId5"/>
+    <p:sldId id="308" r:id="rId6"/>
+    <p:sldId id="309" r:id="rId7"/>
+    <p:sldId id="310" r:id="rId8"/>
+    <p:sldId id="311" r:id="rId9"/>
+    <p:sldId id="312" r:id="rId10"/>
+    <p:sldId id="282" r:id="rId11"/>
   </p:sldIdLst>
   <p:sldSz cx="9144000" cy="5143500" type="screen16x9"/>
   <p:notesSz cx="6858000" cy="9144000"/>
   <p:embeddedFontLst>
     <p:embeddedFont>
       <p:font typeface="Abel" panose="020B0604020202020204" charset="0"/>
-      <p:regular r:id="rId12"/>
+      <p:regular r:id="rId13"/>
     </p:embeddedFont>
     <p:embeddedFont>
       <p:font typeface="Cambria Math" panose="02040503050406030204" pitchFamily="18" charset="0"/>
-      <p:regular r:id="rId13"/>
+      <p:regular r:id="rId14"/>
     </p:embeddedFont>
     <p:embeddedFont>
       <p:font typeface="Montserrat" panose="00000500000000000000" pitchFamily="2" charset="0"/>
-      <p:regular r:id="rId14"/>
-      <p:bold r:id="rId15"/>
-      <p:italic r:id="rId16"/>
-      <p:boldItalic r:id="rId17"/>
+      <p:regular r:id="rId15"/>
+      <p:bold r:id="rId16"/>
+      <p:italic r:id="rId17"/>
+      <p:boldItalic r:id="rId18"/>
     </p:embeddedFont>
     <p:embeddedFont>
       <p:font typeface="Rubik Medium" panose="020B0604020202020204" charset="-79"/>
-      <p:regular r:id="rId18"/>
-      <p:bold r:id="rId19"/>
-      <p:italic r:id="rId20"/>
-      <p:boldItalic r:id="rId21"/>
+      <p:regular r:id="rId19"/>
+      <p:bold r:id="rId20"/>
+      <p:italic r:id="rId21"/>
+      <p:boldItalic r:id="rId22"/>
     </p:embeddedFont>
   </p:embeddedFontLst>
   <p:defaultTextStyle>
@@ -13003,6 +13004,2312 @@
 </p:sld>
 </file>
 
+<file path=ppt/slides/slide10.xml><?xml version="1.0" encoding="utf-8"?>
+<p:sld xmlns:a="http://schemas.openxmlformats.org/drawingml/2006/main" xmlns:r="http://schemas.openxmlformats.org/officeDocument/2006/relationships" xmlns:p="http://schemas.openxmlformats.org/presentationml/2006/main">
+  <p:cSld>
+    <p:spTree>
+      <p:nvGrpSpPr>
+        <p:cNvPr id="1" name="Shape 848"/>
+        <p:cNvGrpSpPr/>
+        <p:nvPr/>
+      </p:nvGrpSpPr>
+      <p:grpSpPr>
+        <a:xfrm>
+          <a:off x="0" y="0"/>
+          <a:ext cx="0" cy="0"/>
+          <a:chOff x="0" y="0"/>
+          <a:chExt cx="0" cy="0"/>
+        </a:xfrm>
+      </p:grpSpPr>
+      <p:sp>
+        <p:nvSpPr>
+          <p:cNvPr id="849" name="Google Shape;849;p55"/>
+          <p:cNvSpPr txBox="1">
+            <a:spLocks noGrp="1"/>
+          </p:cNvSpPr>
+          <p:nvPr>
+            <p:ph type="subTitle" idx="2"/>
+          </p:nvPr>
+        </p:nvSpPr>
+        <p:spPr>
+          <a:xfrm>
+            <a:off x="2822913" y="1947954"/>
+            <a:ext cx="3498300" cy="764100"/>
+          </a:xfrm>
+          <a:prstGeom prst="rect">
+            <a:avLst/>
+          </a:prstGeom>
+        </p:spPr>
+        <p:txBody>
+          <a:bodyPr spcFirstLastPara="1" wrap="square" lIns="91425" tIns="91425" rIns="91425" bIns="91425" anchor="ctr" anchorCtr="0">
+            <a:noAutofit/>
+          </a:bodyPr>
+          <a:lstStyle/>
+          <a:p>
+            <a:pPr marL="0" lvl="0" indent="0" algn="ctr" rtl="0">
+              <a:spcBef>
+                <a:spcPts val="0"/>
+              </a:spcBef>
+              <a:spcAft>
+                <a:spcPts val="0"/>
+              </a:spcAft>
+              <a:buNone/>
+            </a:pPr>
+            <a:r>
+              <a:rPr lang="en"/>
+              <a:t>add</a:t>
+            </a:r>
+            <a:r>
+              <a:rPr lang="en">
+                <a:uFill>
+                  <a:noFill/>
+                </a:uFill>
+                <a:hlinkClick r:id="rId3"/>
+              </a:rPr>
+              <a:t>youremail@freepik.com</a:t>
+            </a:r>
+            <a:endParaRPr/>
+          </a:p>
+          <a:p>
+            <a:pPr marL="0" lvl="0" indent="0" algn="ctr" rtl="0">
+              <a:spcBef>
+                <a:spcPts val="0"/>
+              </a:spcBef>
+              <a:spcAft>
+                <a:spcPts val="0"/>
+              </a:spcAft>
+              <a:buNone/>
+            </a:pPr>
+            <a:r>
+              <a:rPr lang="en"/>
+              <a:t>+91 620 421 838</a:t>
+            </a:r>
+            <a:endParaRPr/>
+          </a:p>
+          <a:p>
+            <a:pPr marL="0" lvl="0" indent="0" algn="ctr" rtl="0">
+              <a:spcBef>
+                <a:spcPts val="0"/>
+              </a:spcBef>
+              <a:spcAft>
+                <a:spcPts val="0"/>
+              </a:spcAft>
+              <a:buNone/>
+            </a:pPr>
+            <a:r>
+              <a:rPr lang="en"/>
+              <a:t>yourcompany.com</a:t>
+            </a:r>
+            <a:endParaRPr/>
+          </a:p>
+        </p:txBody>
+      </p:sp>
+      <p:sp>
+        <p:nvSpPr>
+          <p:cNvPr id="850" name="Google Shape;850;p55"/>
+          <p:cNvSpPr txBox="1">
+            <a:spLocks noGrp="1"/>
+          </p:cNvSpPr>
+          <p:nvPr>
+            <p:ph type="subTitle" idx="1"/>
+          </p:nvPr>
+        </p:nvSpPr>
+        <p:spPr>
+          <a:xfrm>
+            <a:off x="2822913" y="1453572"/>
+            <a:ext cx="3498300" cy="399000"/>
+          </a:xfrm>
+          <a:prstGeom prst="rect">
+            <a:avLst/>
+          </a:prstGeom>
+        </p:spPr>
+        <p:txBody>
+          <a:bodyPr spcFirstLastPara="1" wrap="square" lIns="91425" tIns="91425" rIns="91425" bIns="91425" anchor="ctr" anchorCtr="0">
+            <a:noAutofit/>
+          </a:bodyPr>
+          <a:lstStyle/>
+          <a:p>
+            <a:pPr marL="0" lvl="0" indent="0" algn="ctr" rtl="0">
+              <a:spcBef>
+                <a:spcPts val="0"/>
+              </a:spcBef>
+              <a:spcAft>
+                <a:spcPts val="0"/>
+              </a:spcAft>
+              <a:buNone/>
+            </a:pPr>
+            <a:r>
+              <a:rPr lang="en"/>
+              <a:t>DO YOU HAVE ANY QUESTION?</a:t>
+            </a:r>
+            <a:endParaRPr/>
+          </a:p>
+        </p:txBody>
+      </p:sp>
+      <p:sp>
+        <p:nvSpPr>
+          <p:cNvPr id="851" name="Google Shape;851;p55"/>
+          <p:cNvSpPr txBox="1"/>
+          <p:nvPr/>
+        </p:nvSpPr>
+        <p:spPr>
+          <a:xfrm>
+            <a:off x="2959263" y="4201956"/>
+            <a:ext cx="3225600" cy="276900"/>
+          </a:xfrm>
+          <a:prstGeom prst="rect">
+            <a:avLst/>
+          </a:prstGeom>
+          <a:noFill/>
+          <a:ln>
+            <a:noFill/>
+          </a:ln>
+        </p:spPr>
+        <p:txBody>
+          <a:bodyPr spcFirstLastPara="1" wrap="square" lIns="91425" tIns="91425" rIns="91425" bIns="91425" anchor="ctr" anchorCtr="0">
+            <a:noAutofit/>
+          </a:bodyPr>
+          <a:lstStyle/>
+          <a:p>
+            <a:pPr marL="0" lvl="0" indent="0" algn="ctr" rtl="0">
+              <a:spcBef>
+                <a:spcPts val="0"/>
+              </a:spcBef>
+              <a:spcAft>
+                <a:spcPts val="0"/>
+              </a:spcAft>
+              <a:buNone/>
+            </a:pPr>
+            <a:r>
+              <a:rPr lang="en" sz="1200" dirty="0">
+                <a:solidFill>
+                  <a:schemeClr val="accent5"/>
+                </a:solidFill>
+                <a:latin typeface="Montserrat"/>
+                <a:ea typeface="Montserrat"/>
+                <a:cs typeface="Montserrat"/>
+                <a:sym typeface="Montserrat"/>
+              </a:rPr>
+              <a:t>Please keep this slide for attribution.</a:t>
+            </a:r>
+            <a:endParaRPr sz="1200" dirty="0">
+              <a:solidFill>
+                <a:schemeClr val="accent5"/>
+              </a:solidFill>
+              <a:latin typeface="Montserrat"/>
+              <a:ea typeface="Montserrat"/>
+              <a:cs typeface="Montserrat"/>
+              <a:sym typeface="Montserrat"/>
+            </a:endParaRPr>
+          </a:p>
+        </p:txBody>
+      </p:sp>
+      <p:sp>
+        <p:nvSpPr>
+          <p:cNvPr id="852" name="Google Shape;852;p55"/>
+          <p:cNvSpPr/>
+          <p:nvPr/>
+        </p:nvSpPr>
+        <p:spPr>
+          <a:xfrm>
+            <a:off x="3949634" y="2909299"/>
+            <a:ext cx="345674" cy="346056"/>
+          </a:xfrm>
+          <a:custGeom>
+            <a:avLst/>
+            <a:gdLst/>
+            <a:ahLst/>
+            <a:cxnLst/>
+            <a:rect l="l" t="t" r="r" b="b"/>
+            <a:pathLst>
+              <a:path w="10860" h="10872" extrusionOk="0">
+                <a:moveTo>
+                  <a:pt x="5430" y="1"/>
+                </a:moveTo>
+                <a:cubicBezTo>
+                  <a:pt x="3990" y="1"/>
+                  <a:pt x="2608" y="560"/>
+                  <a:pt x="1596" y="1584"/>
+                </a:cubicBezTo>
+                <a:cubicBezTo>
+                  <a:pt x="561" y="2620"/>
+                  <a:pt x="1" y="3989"/>
+                  <a:pt x="1" y="5430"/>
+                </a:cubicBezTo>
+                <a:cubicBezTo>
+                  <a:pt x="1" y="6561"/>
+                  <a:pt x="346" y="7645"/>
+                  <a:pt x="1001" y="8573"/>
+                </a:cubicBezTo>
+                <a:cubicBezTo>
+                  <a:pt x="1632" y="9466"/>
+                  <a:pt x="2513" y="10145"/>
+                  <a:pt x="3537" y="10538"/>
+                </a:cubicBezTo>
+                <a:cubicBezTo>
+                  <a:pt x="3559" y="10544"/>
+                  <a:pt x="3579" y="10547"/>
+                  <a:pt x="3599" y="10547"/>
+                </a:cubicBezTo>
+                <a:cubicBezTo>
+                  <a:pt x="3656" y="10547"/>
+                  <a:pt x="3704" y="10522"/>
+                  <a:pt x="3740" y="10478"/>
+                </a:cubicBezTo>
+                <a:cubicBezTo>
+                  <a:pt x="3763" y="10443"/>
+                  <a:pt x="3763" y="10395"/>
+                  <a:pt x="3763" y="10371"/>
+                </a:cubicBezTo>
+                <a:lnTo>
+                  <a:pt x="3763" y="7275"/>
+                </a:lnTo>
+                <a:cubicBezTo>
+                  <a:pt x="3763" y="7180"/>
+                  <a:pt x="3692" y="7097"/>
+                  <a:pt x="3585" y="7097"/>
+                </a:cubicBezTo>
+                <a:lnTo>
+                  <a:pt x="2156" y="7097"/>
+                </a:lnTo>
+                <a:lnTo>
+                  <a:pt x="2156" y="5835"/>
+                </a:lnTo>
+                <a:lnTo>
+                  <a:pt x="3585" y="5835"/>
+                </a:lnTo>
+                <a:cubicBezTo>
+                  <a:pt x="3680" y="5835"/>
+                  <a:pt x="3763" y="5751"/>
+                  <a:pt x="3763" y="5656"/>
+                </a:cubicBezTo>
+                <a:lnTo>
+                  <a:pt x="3763" y="5430"/>
+                </a:lnTo>
+                <a:cubicBezTo>
+                  <a:pt x="3763" y="3942"/>
+                  <a:pt x="5180" y="2632"/>
+                  <a:pt x="6799" y="2632"/>
+                </a:cubicBezTo>
+                <a:lnTo>
+                  <a:pt x="7550" y="2632"/>
+                </a:lnTo>
+                <a:lnTo>
+                  <a:pt x="7550" y="3894"/>
+                </a:lnTo>
+                <a:lnTo>
+                  <a:pt x="6799" y="3894"/>
+                </a:lnTo>
+                <a:cubicBezTo>
+                  <a:pt x="6311" y="3894"/>
+                  <a:pt x="5883" y="4025"/>
+                  <a:pt x="5561" y="4287"/>
+                </a:cubicBezTo>
+                <a:cubicBezTo>
+                  <a:pt x="5228" y="4561"/>
+                  <a:pt x="5025" y="4966"/>
+                  <a:pt x="5025" y="5430"/>
+                </a:cubicBezTo>
+                <a:lnTo>
+                  <a:pt x="5025" y="5656"/>
+                </a:lnTo>
+                <a:cubicBezTo>
+                  <a:pt x="5025" y="5740"/>
+                  <a:pt x="5109" y="5835"/>
+                  <a:pt x="5204" y="5835"/>
+                </a:cubicBezTo>
+                <a:lnTo>
+                  <a:pt x="5883" y="5835"/>
+                </a:lnTo>
+                <a:cubicBezTo>
+                  <a:pt x="5966" y="5835"/>
+                  <a:pt x="6061" y="5751"/>
+                  <a:pt x="6061" y="5656"/>
+                </a:cubicBezTo>
+                <a:cubicBezTo>
+                  <a:pt x="6061" y="5561"/>
+                  <a:pt x="5978" y="5478"/>
+                  <a:pt x="5883" y="5478"/>
+                </a:cubicBezTo>
+                <a:lnTo>
+                  <a:pt x="5371" y="5478"/>
+                </a:lnTo>
+                <a:lnTo>
+                  <a:pt x="5371" y="5418"/>
+                </a:lnTo>
+                <a:cubicBezTo>
+                  <a:pt x="5371" y="4525"/>
+                  <a:pt x="6145" y="4204"/>
+                  <a:pt x="6799" y="4204"/>
+                </a:cubicBezTo>
+                <a:lnTo>
+                  <a:pt x="7704" y="4204"/>
+                </a:lnTo>
+                <a:cubicBezTo>
+                  <a:pt x="7800" y="4204"/>
+                  <a:pt x="7883" y="4132"/>
+                  <a:pt x="7883" y="4025"/>
+                </a:cubicBezTo>
+                <a:lnTo>
+                  <a:pt x="7883" y="2418"/>
+                </a:lnTo>
+                <a:cubicBezTo>
+                  <a:pt x="7883" y="2334"/>
+                  <a:pt x="7811" y="2239"/>
+                  <a:pt x="7704" y="2239"/>
+                </a:cubicBezTo>
+                <a:lnTo>
+                  <a:pt x="6799" y="2239"/>
+                </a:lnTo>
+                <a:cubicBezTo>
+                  <a:pt x="5966" y="2239"/>
+                  <a:pt x="5121" y="2572"/>
+                  <a:pt x="4466" y="3156"/>
+                </a:cubicBezTo>
+                <a:cubicBezTo>
+                  <a:pt x="3799" y="3763"/>
+                  <a:pt x="3418" y="4549"/>
+                  <a:pt x="3418" y="5382"/>
+                </a:cubicBezTo>
+                <a:lnTo>
+                  <a:pt x="3418" y="5442"/>
+                </a:lnTo>
+                <a:lnTo>
+                  <a:pt x="1989" y="5442"/>
+                </a:lnTo>
+                <a:cubicBezTo>
+                  <a:pt x="1906" y="5442"/>
+                  <a:pt x="1811" y="5513"/>
+                  <a:pt x="1811" y="5620"/>
+                </a:cubicBezTo>
+                <a:lnTo>
+                  <a:pt x="1811" y="7228"/>
+                </a:lnTo>
+                <a:cubicBezTo>
+                  <a:pt x="1811" y="7323"/>
+                  <a:pt x="1894" y="7406"/>
+                  <a:pt x="1989" y="7406"/>
+                </a:cubicBezTo>
+                <a:lnTo>
+                  <a:pt x="3418" y="7406"/>
+                </a:lnTo>
+                <a:lnTo>
+                  <a:pt x="3418" y="10085"/>
+                </a:lnTo>
+                <a:cubicBezTo>
+                  <a:pt x="1561" y="9300"/>
+                  <a:pt x="346" y="7442"/>
+                  <a:pt x="346" y="5418"/>
+                </a:cubicBezTo>
+                <a:cubicBezTo>
+                  <a:pt x="346" y="2596"/>
+                  <a:pt x="2620" y="322"/>
+                  <a:pt x="5430" y="322"/>
+                </a:cubicBezTo>
+                <a:cubicBezTo>
+                  <a:pt x="8228" y="322"/>
+                  <a:pt x="10526" y="2620"/>
+                  <a:pt x="10526" y="5418"/>
+                </a:cubicBezTo>
+                <a:cubicBezTo>
+                  <a:pt x="10526" y="8228"/>
+                  <a:pt x="8240" y="10502"/>
+                  <a:pt x="5430" y="10502"/>
+                </a:cubicBezTo>
+                <a:lnTo>
+                  <a:pt x="5371" y="10502"/>
+                </a:lnTo>
+                <a:lnTo>
+                  <a:pt x="5371" y="7418"/>
+                </a:lnTo>
+                <a:lnTo>
+                  <a:pt x="7728" y="7418"/>
+                </a:lnTo>
+                <a:cubicBezTo>
+                  <a:pt x="7811" y="7418"/>
+                  <a:pt x="7907" y="7347"/>
+                  <a:pt x="7907" y="7240"/>
+                </a:cubicBezTo>
+                <a:lnTo>
+                  <a:pt x="7907" y="5656"/>
+                </a:lnTo>
+                <a:cubicBezTo>
+                  <a:pt x="7907" y="5561"/>
+                  <a:pt x="7823" y="5478"/>
+                  <a:pt x="7728" y="5478"/>
+                </a:cubicBezTo>
+                <a:lnTo>
+                  <a:pt x="6728" y="5478"/>
+                </a:lnTo>
+                <a:cubicBezTo>
+                  <a:pt x="6633" y="5478"/>
+                  <a:pt x="6549" y="5549"/>
+                  <a:pt x="6549" y="5656"/>
+                </a:cubicBezTo>
+                <a:cubicBezTo>
+                  <a:pt x="6549" y="5740"/>
+                  <a:pt x="6621" y="5835"/>
+                  <a:pt x="6728" y="5835"/>
+                </a:cubicBezTo>
+                <a:lnTo>
+                  <a:pt x="7561" y="5835"/>
+                </a:lnTo>
+                <a:lnTo>
+                  <a:pt x="7561" y="7097"/>
+                </a:lnTo>
+                <a:lnTo>
+                  <a:pt x="5204" y="7097"/>
+                </a:lnTo>
+                <a:cubicBezTo>
+                  <a:pt x="5121" y="7097"/>
+                  <a:pt x="5025" y="7168"/>
+                  <a:pt x="5025" y="7275"/>
+                </a:cubicBezTo>
+                <a:lnTo>
+                  <a:pt x="5025" y="10693"/>
+                </a:lnTo>
+                <a:cubicBezTo>
+                  <a:pt x="5025" y="10788"/>
+                  <a:pt x="5109" y="10859"/>
+                  <a:pt x="5192" y="10871"/>
+                </a:cubicBezTo>
+                <a:lnTo>
+                  <a:pt x="5430" y="10871"/>
+                </a:lnTo>
+                <a:cubicBezTo>
+                  <a:pt x="6871" y="10871"/>
+                  <a:pt x="8240" y="10312"/>
+                  <a:pt x="9276" y="9288"/>
+                </a:cubicBezTo>
+                <a:cubicBezTo>
+                  <a:pt x="10300" y="8252"/>
+                  <a:pt x="10859" y="6883"/>
+                  <a:pt x="10859" y="5442"/>
+                </a:cubicBezTo>
+                <a:cubicBezTo>
+                  <a:pt x="10859" y="3989"/>
+                  <a:pt x="10300" y="2620"/>
+                  <a:pt x="9276" y="1584"/>
+                </a:cubicBezTo>
+                <a:cubicBezTo>
+                  <a:pt x="8240" y="560"/>
+                  <a:pt x="6871" y="1"/>
+                  <a:pt x="5430" y="1"/>
+                </a:cubicBezTo>
+                <a:close/>
+              </a:path>
+            </a:pathLst>
+          </a:custGeom>
+          <a:solidFill>
+            <a:schemeClr val="accent5"/>
+          </a:solidFill>
+          <a:ln>
+            <a:noFill/>
+          </a:ln>
+        </p:spPr>
+        <p:txBody>
+          <a:bodyPr spcFirstLastPara="1" wrap="square" lIns="91425" tIns="91425" rIns="91425" bIns="91425" anchor="ctr" anchorCtr="0">
+            <a:noAutofit/>
+          </a:bodyPr>
+          <a:lstStyle/>
+          <a:p>
+            <a:pPr marL="0" lvl="0" indent="0" algn="l" rtl="0">
+              <a:spcBef>
+                <a:spcPts val="0"/>
+              </a:spcBef>
+              <a:spcAft>
+                <a:spcPts val="0"/>
+              </a:spcAft>
+              <a:buNone/>
+            </a:pPr>
+            <a:endParaRPr/>
+          </a:p>
+        </p:txBody>
+      </p:sp>
+      <p:grpSp>
+        <p:nvGrpSpPr>
+          <p:cNvPr id="853" name="Google Shape;853;p55"/>
+          <p:cNvGrpSpPr/>
+          <p:nvPr/>
+        </p:nvGrpSpPr>
+        <p:grpSpPr>
+          <a:xfrm>
+            <a:off x="4399106" y="2909299"/>
+            <a:ext cx="346056" cy="345674"/>
+            <a:chOff x="3303268" y="3817349"/>
+            <a:chExt cx="346056" cy="345674"/>
+          </a:xfrm>
+        </p:grpSpPr>
+        <p:sp>
+          <p:nvSpPr>
+            <p:cNvPr id="854" name="Google Shape;854;p55"/>
+            <p:cNvSpPr/>
+            <p:nvPr/>
+          </p:nvSpPr>
+          <p:spPr>
+            <a:xfrm>
+              <a:off x="3303268" y="3817349"/>
+              <a:ext cx="346056" cy="345674"/>
+            </a:xfrm>
+            <a:custGeom>
+              <a:avLst/>
+              <a:gdLst/>
+              <a:ahLst/>
+              <a:cxnLst/>
+              <a:rect l="l" t="t" r="r" b="b"/>
+              <a:pathLst>
+                <a:path w="10872" h="10860" extrusionOk="0">
+                  <a:moveTo>
+                    <a:pt x="5418" y="334"/>
+                  </a:moveTo>
+                  <a:cubicBezTo>
+                    <a:pt x="8228" y="334"/>
+                    <a:pt x="10514" y="2608"/>
+                    <a:pt x="10514" y="5430"/>
+                  </a:cubicBezTo>
+                  <a:cubicBezTo>
+                    <a:pt x="10514" y="8240"/>
+                    <a:pt x="8228" y="10514"/>
+                    <a:pt x="5418" y="10514"/>
+                  </a:cubicBezTo>
+                  <a:cubicBezTo>
+                    <a:pt x="2608" y="10514"/>
+                    <a:pt x="334" y="8240"/>
+                    <a:pt x="334" y="5430"/>
+                  </a:cubicBezTo>
+                  <a:cubicBezTo>
+                    <a:pt x="334" y="2608"/>
+                    <a:pt x="2608" y="334"/>
+                    <a:pt x="5418" y="334"/>
+                  </a:cubicBezTo>
+                  <a:close/>
+                  <a:moveTo>
+                    <a:pt x="5430" y="1"/>
+                  </a:moveTo>
+                  <a:cubicBezTo>
+                    <a:pt x="3989" y="1"/>
+                    <a:pt x="2620" y="560"/>
+                    <a:pt x="1596" y="1584"/>
+                  </a:cubicBezTo>
+                  <a:cubicBezTo>
+                    <a:pt x="572" y="2620"/>
+                    <a:pt x="1" y="3989"/>
+                    <a:pt x="1" y="5430"/>
+                  </a:cubicBezTo>
+                  <a:cubicBezTo>
+                    <a:pt x="1" y="6871"/>
+                    <a:pt x="572" y="8240"/>
+                    <a:pt x="1596" y="9264"/>
+                  </a:cubicBezTo>
+                  <a:cubicBezTo>
+                    <a:pt x="2620" y="10300"/>
+                    <a:pt x="3989" y="10859"/>
+                    <a:pt x="5430" y="10859"/>
+                  </a:cubicBezTo>
+                  <a:cubicBezTo>
+                    <a:pt x="6883" y="10859"/>
+                    <a:pt x="8252" y="10300"/>
+                    <a:pt x="9276" y="9264"/>
+                  </a:cubicBezTo>
+                  <a:cubicBezTo>
+                    <a:pt x="10300" y="8240"/>
+                    <a:pt x="10871" y="6871"/>
+                    <a:pt x="10871" y="5430"/>
+                  </a:cubicBezTo>
+                  <a:cubicBezTo>
+                    <a:pt x="10871" y="3989"/>
+                    <a:pt x="10300" y="2620"/>
+                    <a:pt x="9276" y="1584"/>
+                  </a:cubicBezTo>
+                  <a:cubicBezTo>
+                    <a:pt x="8252" y="560"/>
+                    <a:pt x="6883" y="1"/>
+                    <a:pt x="5430" y="1"/>
+                  </a:cubicBezTo>
+                  <a:close/>
+                </a:path>
+              </a:pathLst>
+            </a:custGeom>
+            <a:solidFill>
+              <a:schemeClr val="accent5"/>
+            </a:solidFill>
+            <a:ln>
+              <a:noFill/>
+            </a:ln>
+          </p:spPr>
+          <p:txBody>
+            <a:bodyPr spcFirstLastPara="1" wrap="square" lIns="91425" tIns="91425" rIns="91425" bIns="91425" anchor="ctr" anchorCtr="0">
+              <a:noAutofit/>
+            </a:bodyPr>
+            <a:lstStyle/>
+            <a:p>
+              <a:pPr marL="0" lvl="0" indent="0" algn="l" rtl="0">
+                <a:spcBef>
+                  <a:spcPts val="0"/>
+                </a:spcBef>
+                <a:spcAft>
+                  <a:spcPts val="0"/>
+                </a:spcAft>
+                <a:buNone/>
+              </a:pPr>
+              <a:endParaRPr dirty="0"/>
+            </a:p>
+          </p:txBody>
+        </p:sp>
+        <p:sp>
+          <p:nvSpPr>
+            <p:cNvPr id="855" name="Google Shape;855;p55"/>
+            <p:cNvSpPr/>
+            <p:nvPr/>
+          </p:nvSpPr>
+          <p:spPr>
+            <a:xfrm>
+              <a:off x="3368074" y="3882537"/>
+              <a:ext cx="215298" cy="215298"/>
+            </a:xfrm>
+            <a:custGeom>
+              <a:avLst/>
+              <a:gdLst/>
+              <a:ahLst/>
+              <a:cxnLst/>
+              <a:rect l="l" t="t" r="r" b="b"/>
+              <a:pathLst>
+                <a:path w="6764" h="6764" extrusionOk="0">
+                  <a:moveTo>
+                    <a:pt x="5335" y="346"/>
+                  </a:moveTo>
+                  <a:cubicBezTo>
+                    <a:pt x="5930" y="346"/>
+                    <a:pt x="6418" y="834"/>
+                    <a:pt x="6418" y="1429"/>
+                  </a:cubicBezTo>
+                  <a:lnTo>
+                    <a:pt x="6418" y="5335"/>
+                  </a:lnTo>
+                  <a:cubicBezTo>
+                    <a:pt x="6418" y="5930"/>
+                    <a:pt x="5930" y="6418"/>
+                    <a:pt x="5335" y="6418"/>
+                  </a:cubicBezTo>
+                  <a:lnTo>
+                    <a:pt x="1429" y="6418"/>
+                  </a:lnTo>
+                  <a:cubicBezTo>
+                    <a:pt x="834" y="6418"/>
+                    <a:pt x="346" y="5930"/>
+                    <a:pt x="346" y="5335"/>
+                  </a:cubicBezTo>
+                  <a:lnTo>
+                    <a:pt x="346" y="1429"/>
+                  </a:lnTo>
+                  <a:cubicBezTo>
+                    <a:pt x="346" y="834"/>
+                    <a:pt x="834" y="346"/>
+                    <a:pt x="1429" y="346"/>
+                  </a:cubicBezTo>
+                  <a:close/>
+                  <a:moveTo>
+                    <a:pt x="1429" y="1"/>
+                  </a:moveTo>
+                  <a:cubicBezTo>
+                    <a:pt x="644" y="1"/>
+                    <a:pt x="1" y="644"/>
+                    <a:pt x="1" y="1429"/>
+                  </a:cubicBezTo>
+                  <a:lnTo>
+                    <a:pt x="1" y="5335"/>
+                  </a:lnTo>
+                  <a:cubicBezTo>
+                    <a:pt x="1" y="6120"/>
+                    <a:pt x="644" y="6763"/>
+                    <a:pt x="1429" y="6763"/>
+                  </a:cubicBezTo>
+                  <a:lnTo>
+                    <a:pt x="5335" y="6763"/>
+                  </a:lnTo>
+                  <a:cubicBezTo>
+                    <a:pt x="6121" y="6763"/>
+                    <a:pt x="6763" y="6120"/>
+                    <a:pt x="6763" y="5335"/>
+                  </a:cubicBezTo>
+                  <a:lnTo>
+                    <a:pt x="6763" y="1429"/>
+                  </a:lnTo>
+                  <a:cubicBezTo>
+                    <a:pt x="6763" y="644"/>
+                    <a:pt x="6121" y="1"/>
+                    <a:pt x="5335" y="1"/>
+                  </a:cubicBezTo>
+                  <a:close/>
+                </a:path>
+              </a:pathLst>
+            </a:custGeom>
+            <a:solidFill>
+              <a:schemeClr val="accent5"/>
+            </a:solidFill>
+            <a:ln>
+              <a:noFill/>
+            </a:ln>
+          </p:spPr>
+          <p:txBody>
+            <a:bodyPr spcFirstLastPara="1" wrap="square" lIns="91425" tIns="91425" rIns="91425" bIns="91425" anchor="ctr" anchorCtr="0">
+              <a:noAutofit/>
+            </a:bodyPr>
+            <a:lstStyle/>
+            <a:p>
+              <a:pPr marL="0" lvl="0" indent="0" algn="l" rtl="0">
+                <a:spcBef>
+                  <a:spcPts val="0"/>
+                </a:spcBef>
+                <a:spcAft>
+                  <a:spcPts val="0"/>
+                </a:spcAft>
+                <a:buNone/>
+              </a:pPr>
+              <a:endParaRPr/>
+            </a:p>
+          </p:txBody>
+        </p:sp>
+        <p:sp>
+          <p:nvSpPr>
+            <p:cNvPr id="856" name="Google Shape;856;p55"/>
+            <p:cNvSpPr/>
+            <p:nvPr/>
+          </p:nvSpPr>
+          <p:spPr>
+            <a:xfrm>
+              <a:off x="3418143" y="3933656"/>
+              <a:ext cx="114811" cy="112742"/>
+            </a:xfrm>
+            <a:custGeom>
+              <a:avLst/>
+              <a:gdLst/>
+              <a:ahLst/>
+              <a:cxnLst/>
+              <a:rect l="l" t="t" r="r" b="b"/>
+              <a:pathLst>
+                <a:path w="3607" h="3542" extrusionOk="0">
+                  <a:moveTo>
+                    <a:pt x="1822" y="0"/>
+                  </a:moveTo>
+                  <a:cubicBezTo>
+                    <a:pt x="812" y="0"/>
+                    <a:pt x="1" y="851"/>
+                    <a:pt x="59" y="1859"/>
+                  </a:cubicBezTo>
+                  <a:cubicBezTo>
+                    <a:pt x="95" y="2776"/>
+                    <a:pt x="833" y="3502"/>
+                    <a:pt x="1726" y="3538"/>
+                  </a:cubicBezTo>
+                  <a:cubicBezTo>
+                    <a:pt x="1764" y="3541"/>
+                    <a:pt x="1802" y="3542"/>
+                    <a:pt x="1840" y="3542"/>
+                  </a:cubicBezTo>
+                  <a:cubicBezTo>
+                    <a:pt x="2178" y="3542"/>
+                    <a:pt x="2494" y="3447"/>
+                    <a:pt x="2762" y="3276"/>
+                  </a:cubicBezTo>
+                  <a:cubicBezTo>
+                    <a:pt x="2857" y="3217"/>
+                    <a:pt x="2869" y="3086"/>
+                    <a:pt x="2797" y="3014"/>
+                  </a:cubicBezTo>
+                  <a:cubicBezTo>
+                    <a:pt x="2761" y="2978"/>
+                    <a:pt x="2711" y="2964"/>
+                    <a:pt x="2664" y="2964"/>
+                  </a:cubicBezTo>
+                  <a:cubicBezTo>
+                    <a:pt x="2634" y="2964"/>
+                    <a:pt x="2606" y="2969"/>
+                    <a:pt x="2583" y="2979"/>
+                  </a:cubicBezTo>
+                  <a:cubicBezTo>
+                    <a:pt x="2380" y="3096"/>
+                    <a:pt x="2149" y="3185"/>
+                    <a:pt x="1897" y="3185"/>
+                  </a:cubicBezTo>
+                  <a:cubicBezTo>
+                    <a:pt x="1868" y="3185"/>
+                    <a:pt x="1839" y="3183"/>
+                    <a:pt x="1809" y="3181"/>
+                  </a:cubicBezTo>
+                  <a:cubicBezTo>
+                    <a:pt x="1023" y="3169"/>
+                    <a:pt x="380" y="2514"/>
+                    <a:pt x="392" y="1716"/>
+                  </a:cubicBezTo>
+                  <a:cubicBezTo>
+                    <a:pt x="426" y="948"/>
+                    <a:pt x="1028" y="330"/>
+                    <a:pt x="1792" y="330"/>
+                  </a:cubicBezTo>
+                  <a:cubicBezTo>
+                    <a:pt x="1833" y="330"/>
+                    <a:pt x="1874" y="332"/>
+                    <a:pt x="1916" y="335"/>
+                  </a:cubicBezTo>
+                  <a:cubicBezTo>
+                    <a:pt x="2619" y="371"/>
+                    <a:pt x="3190" y="943"/>
+                    <a:pt x="3250" y="1633"/>
+                  </a:cubicBezTo>
+                  <a:cubicBezTo>
+                    <a:pt x="3285" y="1919"/>
+                    <a:pt x="3214" y="2193"/>
+                    <a:pt x="3095" y="2431"/>
+                  </a:cubicBezTo>
+                  <a:cubicBezTo>
+                    <a:pt x="3059" y="2490"/>
+                    <a:pt x="3059" y="2574"/>
+                    <a:pt x="3119" y="2633"/>
+                  </a:cubicBezTo>
+                  <a:cubicBezTo>
+                    <a:pt x="3149" y="2663"/>
+                    <a:pt x="3191" y="2678"/>
+                    <a:pt x="3234" y="2678"/>
+                  </a:cubicBezTo>
+                  <a:cubicBezTo>
+                    <a:pt x="3295" y="2678"/>
+                    <a:pt x="3358" y="2648"/>
+                    <a:pt x="3393" y="2586"/>
+                  </a:cubicBezTo>
+                  <a:cubicBezTo>
+                    <a:pt x="3536" y="2324"/>
+                    <a:pt x="3607" y="2014"/>
+                    <a:pt x="3583" y="1669"/>
+                  </a:cubicBezTo>
+                  <a:cubicBezTo>
+                    <a:pt x="3536" y="764"/>
+                    <a:pt x="2797" y="50"/>
+                    <a:pt x="1904" y="2"/>
+                  </a:cubicBezTo>
+                  <a:cubicBezTo>
+                    <a:pt x="1877" y="1"/>
+                    <a:pt x="1849" y="0"/>
+                    <a:pt x="1822" y="0"/>
+                  </a:cubicBezTo>
+                  <a:close/>
+                </a:path>
+              </a:pathLst>
+            </a:custGeom>
+            <a:solidFill>
+              <a:schemeClr val="accent5"/>
+            </a:solidFill>
+            <a:ln>
+              <a:noFill/>
+            </a:ln>
+          </p:spPr>
+          <p:txBody>
+            <a:bodyPr spcFirstLastPara="1" wrap="square" lIns="91425" tIns="91425" rIns="91425" bIns="91425" anchor="ctr" anchorCtr="0">
+              <a:noAutofit/>
+            </a:bodyPr>
+            <a:lstStyle/>
+            <a:p>
+              <a:pPr marL="0" lvl="0" indent="0" algn="l" rtl="0">
+                <a:spcBef>
+                  <a:spcPts val="0"/>
+                </a:spcBef>
+                <a:spcAft>
+                  <a:spcPts val="0"/>
+                </a:spcAft>
+                <a:buNone/>
+              </a:pPr>
+              <a:endParaRPr/>
+            </a:p>
+          </p:txBody>
+        </p:sp>
+        <p:sp>
+          <p:nvSpPr>
+            <p:cNvPr id="857" name="Google Shape;857;p55"/>
+            <p:cNvSpPr/>
+            <p:nvPr/>
+          </p:nvSpPr>
+          <p:spPr>
+            <a:xfrm>
+              <a:off x="3519298" y="3910197"/>
+              <a:ext cx="29570" cy="29220"/>
+            </a:xfrm>
+            <a:custGeom>
+              <a:avLst/>
+              <a:gdLst/>
+              <a:ahLst/>
+              <a:cxnLst/>
+              <a:rect l="l" t="t" r="r" b="b"/>
+              <a:pathLst>
+                <a:path w="929" h="918" extrusionOk="0">
+                  <a:moveTo>
+                    <a:pt x="465" y="1"/>
+                  </a:moveTo>
+                  <a:cubicBezTo>
+                    <a:pt x="203" y="1"/>
+                    <a:pt x="0" y="203"/>
+                    <a:pt x="0" y="453"/>
+                  </a:cubicBezTo>
+                  <a:cubicBezTo>
+                    <a:pt x="0" y="715"/>
+                    <a:pt x="203" y="918"/>
+                    <a:pt x="465" y="918"/>
+                  </a:cubicBezTo>
+                  <a:cubicBezTo>
+                    <a:pt x="715" y="918"/>
+                    <a:pt x="929" y="715"/>
+                    <a:pt x="929" y="453"/>
+                  </a:cubicBezTo>
+                  <a:cubicBezTo>
+                    <a:pt x="929" y="203"/>
+                    <a:pt x="715" y="1"/>
+                    <a:pt x="465" y="1"/>
+                  </a:cubicBezTo>
+                  <a:close/>
+                </a:path>
+              </a:pathLst>
+            </a:custGeom>
+            <a:solidFill>
+              <a:schemeClr val="accent5"/>
+            </a:solidFill>
+            <a:ln>
+              <a:noFill/>
+            </a:ln>
+          </p:spPr>
+          <p:txBody>
+            <a:bodyPr spcFirstLastPara="1" wrap="square" lIns="91425" tIns="91425" rIns="91425" bIns="91425" anchor="ctr" anchorCtr="0">
+              <a:noAutofit/>
+            </a:bodyPr>
+            <a:lstStyle/>
+            <a:p>
+              <a:pPr marL="0" lvl="0" indent="0" algn="l" rtl="0">
+                <a:spcBef>
+                  <a:spcPts val="0"/>
+                </a:spcBef>
+                <a:spcAft>
+                  <a:spcPts val="0"/>
+                </a:spcAft>
+                <a:buNone/>
+              </a:pPr>
+              <a:endParaRPr/>
+            </a:p>
+          </p:txBody>
+        </p:sp>
+      </p:grpSp>
+      <p:grpSp>
+        <p:nvGrpSpPr>
+          <p:cNvPr id="858" name="Google Shape;858;p55"/>
+          <p:cNvGrpSpPr/>
+          <p:nvPr/>
+        </p:nvGrpSpPr>
+        <p:grpSpPr>
+          <a:xfrm>
+            <a:off x="4848195" y="2909299"/>
+            <a:ext cx="346056" cy="345674"/>
+            <a:chOff x="3752358" y="3817349"/>
+            <a:chExt cx="346056" cy="345674"/>
+          </a:xfrm>
+        </p:grpSpPr>
+        <p:sp>
+          <p:nvSpPr>
+            <p:cNvPr id="859" name="Google Shape;859;p55"/>
+            <p:cNvSpPr/>
+            <p:nvPr/>
+          </p:nvSpPr>
+          <p:spPr>
+            <a:xfrm>
+              <a:off x="3752358" y="3817349"/>
+              <a:ext cx="346056" cy="345674"/>
+            </a:xfrm>
+            <a:custGeom>
+              <a:avLst/>
+              <a:gdLst/>
+              <a:ahLst/>
+              <a:cxnLst/>
+              <a:rect l="l" t="t" r="r" b="b"/>
+              <a:pathLst>
+                <a:path w="10872" h="10860" extrusionOk="0">
+                  <a:moveTo>
+                    <a:pt x="5430" y="334"/>
+                  </a:moveTo>
+                  <a:cubicBezTo>
+                    <a:pt x="8252" y="334"/>
+                    <a:pt x="10526" y="2608"/>
+                    <a:pt x="10526" y="5430"/>
+                  </a:cubicBezTo>
+                  <a:cubicBezTo>
+                    <a:pt x="10526" y="8240"/>
+                    <a:pt x="8228" y="10514"/>
+                    <a:pt x="5430" y="10514"/>
+                  </a:cubicBezTo>
+                  <a:cubicBezTo>
+                    <a:pt x="2620" y="10514"/>
+                    <a:pt x="346" y="8240"/>
+                    <a:pt x="346" y="5430"/>
+                  </a:cubicBezTo>
+                  <a:cubicBezTo>
+                    <a:pt x="346" y="2608"/>
+                    <a:pt x="2620" y="334"/>
+                    <a:pt x="5430" y="334"/>
+                  </a:cubicBezTo>
+                  <a:close/>
+                  <a:moveTo>
+                    <a:pt x="5430" y="1"/>
+                  </a:moveTo>
+                  <a:cubicBezTo>
+                    <a:pt x="3989" y="1"/>
+                    <a:pt x="2620" y="560"/>
+                    <a:pt x="1596" y="1584"/>
+                  </a:cubicBezTo>
+                  <a:cubicBezTo>
+                    <a:pt x="572" y="2620"/>
+                    <a:pt x="1" y="3989"/>
+                    <a:pt x="1" y="5430"/>
+                  </a:cubicBezTo>
+                  <a:cubicBezTo>
+                    <a:pt x="1" y="6871"/>
+                    <a:pt x="572" y="8240"/>
+                    <a:pt x="1596" y="9264"/>
+                  </a:cubicBezTo>
+                  <a:cubicBezTo>
+                    <a:pt x="2620" y="10300"/>
+                    <a:pt x="3989" y="10859"/>
+                    <a:pt x="5430" y="10859"/>
+                  </a:cubicBezTo>
+                  <a:cubicBezTo>
+                    <a:pt x="6882" y="10859"/>
+                    <a:pt x="8252" y="10300"/>
+                    <a:pt x="9276" y="9264"/>
+                  </a:cubicBezTo>
+                  <a:cubicBezTo>
+                    <a:pt x="10300" y="8240"/>
+                    <a:pt x="10871" y="6871"/>
+                    <a:pt x="10871" y="5430"/>
+                  </a:cubicBezTo>
+                  <a:cubicBezTo>
+                    <a:pt x="10871" y="3989"/>
+                    <a:pt x="10300" y="2620"/>
+                    <a:pt x="9276" y="1584"/>
+                  </a:cubicBezTo>
+                  <a:cubicBezTo>
+                    <a:pt x="8252" y="560"/>
+                    <a:pt x="6882" y="1"/>
+                    <a:pt x="5430" y="1"/>
+                  </a:cubicBezTo>
+                  <a:close/>
+                </a:path>
+              </a:pathLst>
+            </a:custGeom>
+            <a:solidFill>
+              <a:schemeClr val="accent5"/>
+            </a:solidFill>
+            <a:ln>
+              <a:noFill/>
+            </a:ln>
+          </p:spPr>
+          <p:txBody>
+            <a:bodyPr spcFirstLastPara="1" wrap="square" lIns="91425" tIns="91425" rIns="91425" bIns="91425" anchor="ctr" anchorCtr="0">
+              <a:noAutofit/>
+            </a:bodyPr>
+            <a:lstStyle/>
+            <a:p>
+              <a:pPr marL="0" lvl="0" indent="0" algn="l" rtl="0">
+                <a:spcBef>
+                  <a:spcPts val="0"/>
+                </a:spcBef>
+                <a:spcAft>
+                  <a:spcPts val="0"/>
+                </a:spcAft>
+                <a:buNone/>
+              </a:pPr>
+              <a:endParaRPr/>
+            </a:p>
+          </p:txBody>
+        </p:sp>
+        <p:sp>
+          <p:nvSpPr>
+            <p:cNvPr id="860" name="Google Shape;860;p55"/>
+            <p:cNvSpPr/>
+            <p:nvPr/>
+          </p:nvSpPr>
+          <p:spPr>
+            <a:xfrm>
+              <a:off x="3831933" y="3955682"/>
+              <a:ext cx="47809" cy="120540"/>
+            </a:xfrm>
+            <a:custGeom>
+              <a:avLst/>
+              <a:gdLst/>
+              <a:ahLst/>
+              <a:cxnLst/>
+              <a:rect l="l" t="t" r="r" b="b"/>
+              <a:pathLst>
+                <a:path w="1502" h="3787" extrusionOk="0">
+                  <a:moveTo>
+                    <a:pt x="1168" y="346"/>
+                  </a:moveTo>
+                  <a:lnTo>
+                    <a:pt x="1168" y="3430"/>
+                  </a:lnTo>
+                  <a:lnTo>
+                    <a:pt x="358" y="3430"/>
+                  </a:lnTo>
+                  <a:lnTo>
+                    <a:pt x="358" y="346"/>
+                  </a:lnTo>
+                  <a:close/>
+                  <a:moveTo>
+                    <a:pt x="180" y="1"/>
+                  </a:moveTo>
+                  <a:cubicBezTo>
+                    <a:pt x="96" y="1"/>
+                    <a:pt x="1" y="72"/>
+                    <a:pt x="1" y="179"/>
+                  </a:cubicBezTo>
+                  <a:lnTo>
+                    <a:pt x="1" y="3608"/>
+                  </a:lnTo>
+                  <a:cubicBezTo>
+                    <a:pt x="1" y="3703"/>
+                    <a:pt x="72" y="3787"/>
+                    <a:pt x="180" y="3787"/>
+                  </a:cubicBezTo>
+                  <a:lnTo>
+                    <a:pt x="1323" y="3787"/>
+                  </a:lnTo>
+                  <a:cubicBezTo>
+                    <a:pt x="1418" y="3787"/>
+                    <a:pt x="1501" y="3715"/>
+                    <a:pt x="1501" y="3608"/>
+                  </a:cubicBezTo>
+                  <a:lnTo>
+                    <a:pt x="1501" y="179"/>
+                  </a:lnTo>
+                  <a:cubicBezTo>
+                    <a:pt x="1501" y="72"/>
+                    <a:pt x="1430" y="1"/>
+                    <a:pt x="1323" y="1"/>
+                  </a:cubicBezTo>
+                  <a:close/>
+                </a:path>
+              </a:pathLst>
+            </a:custGeom>
+            <a:solidFill>
+              <a:schemeClr val="accent5"/>
+            </a:solidFill>
+            <a:ln>
+              <a:noFill/>
+            </a:ln>
+          </p:spPr>
+          <p:txBody>
+            <a:bodyPr spcFirstLastPara="1" wrap="square" lIns="91425" tIns="91425" rIns="91425" bIns="91425" anchor="ctr" anchorCtr="0">
+              <a:noAutofit/>
+            </a:bodyPr>
+            <a:lstStyle/>
+            <a:p>
+              <a:pPr marL="0" lvl="0" indent="0" algn="l" rtl="0">
+                <a:spcBef>
+                  <a:spcPts val="0"/>
+                </a:spcBef>
+                <a:spcAft>
+                  <a:spcPts val="0"/>
+                </a:spcAft>
+                <a:buNone/>
+              </a:pPr>
+              <a:endParaRPr/>
+            </a:p>
+          </p:txBody>
+        </p:sp>
+        <p:sp>
+          <p:nvSpPr>
+            <p:cNvPr id="861" name="Google Shape;861;p55"/>
+            <p:cNvSpPr/>
+            <p:nvPr/>
+          </p:nvSpPr>
+          <p:spPr>
+            <a:xfrm>
+              <a:off x="3824739" y="3890112"/>
+              <a:ext cx="55002" cy="55002"/>
+            </a:xfrm>
+            <a:custGeom>
+              <a:avLst/>
+              <a:gdLst/>
+              <a:ahLst/>
+              <a:cxnLst/>
+              <a:rect l="l" t="t" r="r" b="b"/>
+              <a:pathLst>
+                <a:path w="1728" h="1728" extrusionOk="0">
+                  <a:moveTo>
+                    <a:pt x="870" y="334"/>
+                  </a:moveTo>
+                  <a:cubicBezTo>
+                    <a:pt x="1156" y="334"/>
+                    <a:pt x="1394" y="572"/>
+                    <a:pt x="1394" y="846"/>
+                  </a:cubicBezTo>
+                  <a:cubicBezTo>
+                    <a:pt x="1394" y="1132"/>
+                    <a:pt x="1156" y="1370"/>
+                    <a:pt x="870" y="1370"/>
+                  </a:cubicBezTo>
+                  <a:cubicBezTo>
+                    <a:pt x="584" y="1370"/>
+                    <a:pt x="346" y="1132"/>
+                    <a:pt x="346" y="846"/>
+                  </a:cubicBezTo>
+                  <a:cubicBezTo>
+                    <a:pt x="346" y="572"/>
+                    <a:pt x="584" y="334"/>
+                    <a:pt x="870" y="334"/>
+                  </a:cubicBezTo>
+                  <a:close/>
+                  <a:moveTo>
+                    <a:pt x="870" y="1"/>
+                  </a:moveTo>
+                  <a:cubicBezTo>
+                    <a:pt x="394" y="1"/>
+                    <a:pt x="1" y="394"/>
+                    <a:pt x="1" y="870"/>
+                  </a:cubicBezTo>
+                  <a:cubicBezTo>
+                    <a:pt x="1" y="1346"/>
+                    <a:pt x="394" y="1727"/>
+                    <a:pt x="870" y="1727"/>
+                  </a:cubicBezTo>
+                  <a:cubicBezTo>
+                    <a:pt x="1346" y="1727"/>
+                    <a:pt x="1727" y="1334"/>
+                    <a:pt x="1727" y="870"/>
+                  </a:cubicBezTo>
+                  <a:cubicBezTo>
+                    <a:pt x="1727" y="394"/>
+                    <a:pt x="1346" y="1"/>
+                    <a:pt x="870" y="1"/>
+                  </a:cubicBezTo>
+                  <a:close/>
+                </a:path>
+              </a:pathLst>
+            </a:custGeom>
+            <a:solidFill>
+              <a:schemeClr val="accent5"/>
+            </a:solidFill>
+            <a:ln>
+              <a:noFill/>
+            </a:ln>
+          </p:spPr>
+          <p:txBody>
+            <a:bodyPr spcFirstLastPara="1" wrap="square" lIns="91425" tIns="91425" rIns="91425" bIns="91425" anchor="ctr" anchorCtr="0">
+              <a:noAutofit/>
+            </a:bodyPr>
+            <a:lstStyle/>
+            <a:p>
+              <a:pPr marL="0" lvl="0" indent="0" algn="l" rtl="0">
+                <a:spcBef>
+                  <a:spcPts val="0"/>
+                </a:spcBef>
+                <a:spcAft>
+                  <a:spcPts val="0"/>
+                </a:spcAft>
+                <a:buNone/>
+              </a:pPr>
+              <a:endParaRPr/>
+            </a:p>
+          </p:txBody>
+        </p:sp>
+        <p:sp>
+          <p:nvSpPr>
+            <p:cNvPr id="862" name="Google Shape;862;p55"/>
+            <p:cNvSpPr/>
+            <p:nvPr/>
+          </p:nvSpPr>
+          <p:spPr>
+            <a:xfrm>
+              <a:off x="3904696" y="3955682"/>
+              <a:ext cx="128148" cy="120540"/>
+            </a:xfrm>
+            <a:custGeom>
+              <a:avLst/>
+              <a:gdLst/>
+              <a:ahLst/>
+              <a:cxnLst/>
+              <a:rect l="l" t="t" r="r" b="b"/>
+              <a:pathLst>
+                <a:path w="4026" h="3787" extrusionOk="0">
+                  <a:moveTo>
+                    <a:pt x="191" y="1"/>
+                  </a:moveTo>
+                  <a:cubicBezTo>
+                    <a:pt x="96" y="1"/>
+                    <a:pt x="1" y="72"/>
+                    <a:pt x="1" y="179"/>
+                  </a:cubicBezTo>
+                  <a:lnTo>
+                    <a:pt x="1" y="3608"/>
+                  </a:lnTo>
+                  <a:cubicBezTo>
+                    <a:pt x="1" y="3703"/>
+                    <a:pt x="84" y="3787"/>
+                    <a:pt x="191" y="3787"/>
+                  </a:cubicBezTo>
+                  <a:lnTo>
+                    <a:pt x="1334" y="3787"/>
+                  </a:lnTo>
+                  <a:cubicBezTo>
+                    <a:pt x="1418" y="3787"/>
+                    <a:pt x="1513" y="3715"/>
+                    <a:pt x="1513" y="3608"/>
+                  </a:cubicBezTo>
+                  <a:lnTo>
+                    <a:pt x="1513" y="2382"/>
+                  </a:lnTo>
+                  <a:cubicBezTo>
+                    <a:pt x="1513" y="1977"/>
+                    <a:pt x="1596" y="1501"/>
+                    <a:pt x="2037" y="1501"/>
+                  </a:cubicBezTo>
+                  <a:cubicBezTo>
+                    <a:pt x="2347" y="1501"/>
+                    <a:pt x="2477" y="1763"/>
+                    <a:pt x="2525" y="2060"/>
+                  </a:cubicBezTo>
+                  <a:cubicBezTo>
+                    <a:pt x="2537" y="2156"/>
+                    <a:pt x="2608" y="2215"/>
+                    <a:pt x="2692" y="2215"/>
+                  </a:cubicBezTo>
+                  <a:cubicBezTo>
+                    <a:pt x="2787" y="2215"/>
+                    <a:pt x="2870" y="2120"/>
+                    <a:pt x="2847" y="2025"/>
+                  </a:cubicBezTo>
+                  <a:cubicBezTo>
+                    <a:pt x="2763" y="1465"/>
+                    <a:pt x="2477" y="1155"/>
+                    <a:pt x="2013" y="1155"/>
+                  </a:cubicBezTo>
+                  <a:cubicBezTo>
+                    <a:pt x="1465" y="1155"/>
+                    <a:pt x="1156" y="1608"/>
+                    <a:pt x="1156" y="2382"/>
+                  </a:cubicBezTo>
+                  <a:lnTo>
+                    <a:pt x="1156" y="3430"/>
+                  </a:lnTo>
+                  <a:lnTo>
+                    <a:pt x="346" y="3430"/>
+                  </a:lnTo>
+                  <a:lnTo>
+                    <a:pt x="346" y="358"/>
+                  </a:lnTo>
+                  <a:lnTo>
+                    <a:pt x="918" y="358"/>
+                  </a:lnTo>
+                  <a:lnTo>
+                    <a:pt x="918" y="572"/>
+                  </a:lnTo>
+                  <a:cubicBezTo>
+                    <a:pt x="918" y="632"/>
+                    <a:pt x="930" y="679"/>
+                    <a:pt x="977" y="715"/>
+                  </a:cubicBezTo>
+                  <a:cubicBezTo>
+                    <a:pt x="1007" y="733"/>
+                    <a:pt x="1043" y="742"/>
+                    <a:pt x="1078" y="742"/>
+                  </a:cubicBezTo>
+                  <a:cubicBezTo>
+                    <a:pt x="1114" y="742"/>
+                    <a:pt x="1150" y="733"/>
+                    <a:pt x="1180" y="715"/>
+                  </a:cubicBezTo>
+                  <a:cubicBezTo>
+                    <a:pt x="1477" y="477"/>
+                    <a:pt x="1835" y="358"/>
+                    <a:pt x="2227" y="358"/>
+                  </a:cubicBezTo>
+                  <a:cubicBezTo>
+                    <a:pt x="3204" y="358"/>
+                    <a:pt x="3656" y="1191"/>
+                    <a:pt x="3656" y="2001"/>
+                  </a:cubicBezTo>
+                  <a:lnTo>
+                    <a:pt x="3656" y="3430"/>
+                  </a:lnTo>
+                  <a:lnTo>
+                    <a:pt x="2847" y="3430"/>
+                  </a:lnTo>
+                  <a:lnTo>
+                    <a:pt x="2847" y="2870"/>
+                  </a:lnTo>
+                  <a:cubicBezTo>
+                    <a:pt x="2847" y="2775"/>
+                    <a:pt x="2775" y="2703"/>
+                    <a:pt x="2692" y="2703"/>
+                  </a:cubicBezTo>
+                  <a:cubicBezTo>
+                    <a:pt x="2597" y="2703"/>
+                    <a:pt x="2525" y="2775"/>
+                    <a:pt x="2525" y="2870"/>
+                  </a:cubicBezTo>
+                  <a:lnTo>
+                    <a:pt x="2525" y="3596"/>
+                  </a:lnTo>
+                  <a:cubicBezTo>
+                    <a:pt x="2525" y="3691"/>
+                    <a:pt x="2597" y="3775"/>
+                    <a:pt x="2704" y="3775"/>
+                  </a:cubicBezTo>
+                  <a:lnTo>
+                    <a:pt x="3847" y="3775"/>
+                  </a:lnTo>
+                  <a:cubicBezTo>
+                    <a:pt x="3942" y="3775"/>
+                    <a:pt x="4025" y="3703"/>
+                    <a:pt x="4025" y="3596"/>
+                  </a:cubicBezTo>
+                  <a:lnTo>
+                    <a:pt x="4025" y="1989"/>
+                  </a:lnTo>
+                  <a:cubicBezTo>
+                    <a:pt x="4025" y="810"/>
+                    <a:pt x="3299" y="1"/>
+                    <a:pt x="2239" y="1"/>
+                  </a:cubicBezTo>
+                  <a:cubicBezTo>
+                    <a:pt x="1894" y="1"/>
+                    <a:pt x="1573" y="84"/>
+                    <a:pt x="1275" y="251"/>
+                  </a:cubicBezTo>
+                  <a:lnTo>
+                    <a:pt x="1275" y="179"/>
+                  </a:lnTo>
+                  <a:cubicBezTo>
+                    <a:pt x="1275" y="84"/>
+                    <a:pt x="1204" y="1"/>
+                    <a:pt x="1096" y="1"/>
+                  </a:cubicBezTo>
+                  <a:close/>
+                </a:path>
+              </a:pathLst>
+            </a:custGeom>
+            <a:solidFill>
+              <a:schemeClr val="accent5"/>
+            </a:solidFill>
+            <a:ln>
+              <a:noFill/>
+            </a:ln>
+          </p:spPr>
+          <p:txBody>
+            <a:bodyPr spcFirstLastPara="1" wrap="square" lIns="91425" tIns="91425" rIns="91425" bIns="91425" anchor="ctr" anchorCtr="0">
+              <a:noAutofit/>
+            </a:bodyPr>
+            <a:lstStyle/>
+            <a:p>
+              <a:pPr marL="0" lvl="0" indent="0" algn="l" rtl="0">
+                <a:spcBef>
+                  <a:spcPts val="0"/>
+                </a:spcBef>
+                <a:spcAft>
+                  <a:spcPts val="0"/>
+                </a:spcAft>
+                <a:buNone/>
+              </a:pPr>
+              <a:endParaRPr/>
+            </a:p>
+          </p:txBody>
+        </p:sp>
+      </p:grpSp>
+      <p:sp>
+        <p:nvSpPr>
+          <p:cNvPr id="863" name="Google Shape;863;p55"/>
+          <p:cNvSpPr txBox="1">
+            <a:spLocks noGrp="1"/>
+          </p:cNvSpPr>
+          <p:nvPr>
+            <p:ph type="title"/>
+          </p:nvPr>
+        </p:nvSpPr>
+        <p:spPr>
+          <a:xfrm>
+            <a:off x="2710300" y="849375"/>
+            <a:ext cx="3648000" cy="867600"/>
+          </a:xfrm>
+          <a:prstGeom prst="rect">
+            <a:avLst/>
+          </a:prstGeom>
+        </p:spPr>
+        <p:txBody>
+          <a:bodyPr spcFirstLastPara="1" wrap="square" lIns="91425" tIns="91425" rIns="91425" bIns="91425" anchor="b" anchorCtr="0">
+            <a:noAutofit/>
+          </a:bodyPr>
+          <a:lstStyle/>
+          <a:p>
+            <a:pPr marL="0" lvl="0" indent="0" algn="ctr" rtl="0">
+              <a:spcBef>
+                <a:spcPts val="0"/>
+              </a:spcBef>
+              <a:spcAft>
+                <a:spcPts val="0"/>
+              </a:spcAft>
+              <a:buNone/>
+            </a:pPr>
+            <a:r>
+              <a:rPr lang="en" dirty="0"/>
+              <a:t>THANKS!</a:t>
+            </a:r>
+            <a:endParaRPr dirty="0"/>
+          </a:p>
+        </p:txBody>
+      </p:sp>
+      <p:grpSp>
+        <p:nvGrpSpPr>
+          <p:cNvPr id="18" name="Google Shape;414;p37">
+            <a:extLst>
+              <a:ext uri="{FF2B5EF4-FFF2-40B4-BE49-F238E27FC236}">
+                <a16:creationId xmlns:a16="http://schemas.microsoft.com/office/drawing/2014/main" id="{E0A83385-6FF6-44AB-886B-5DA00CC379DF}"/>
+              </a:ext>
+            </a:extLst>
+          </p:cNvPr>
+          <p:cNvGrpSpPr/>
+          <p:nvPr/>
+        </p:nvGrpSpPr>
+        <p:grpSpPr>
+          <a:xfrm>
+            <a:off x="2438400" y="-789709"/>
+            <a:ext cx="4287981" cy="5417127"/>
+            <a:chOff x="1248486" y="738825"/>
+            <a:chExt cx="6646939" cy="3665950"/>
+          </a:xfrm>
+        </p:grpSpPr>
+        <p:sp>
+          <p:nvSpPr>
+            <p:cNvPr id="19" name="Google Shape;415;p37">
+              <a:extLst>
+                <a:ext uri="{FF2B5EF4-FFF2-40B4-BE49-F238E27FC236}">
+                  <a16:creationId xmlns:a16="http://schemas.microsoft.com/office/drawing/2014/main" id="{9030E76A-1626-4F43-A4DA-39173A4BB4A2}"/>
+                </a:ext>
+              </a:extLst>
+            </p:cNvPr>
+            <p:cNvSpPr/>
+            <p:nvPr/>
+          </p:nvSpPr>
+          <p:spPr>
+            <a:xfrm>
+              <a:off x="1271525" y="759175"/>
+              <a:ext cx="6595500" cy="3645600"/>
+            </a:xfrm>
+            <a:prstGeom prst="rect">
+              <a:avLst/>
+            </a:prstGeom>
+            <a:solidFill>
+              <a:schemeClr val="accent1"/>
+            </a:solidFill>
+            <a:ln>
+              <a:noFill/>
+            </a:ln>
+          </p:spPr>
+          <p:txBody>
+            <a:bodyPr spcFirstLastPara="1" wrap="square" lIns="91425" tIns="91425" rIns="91425" bIns="91425" anchor="ctr" anchorCtr="0">
+              <a:noAutofit/>
+            </a:bodyPr>
+            <a:lstStyle/>
+            <a:p>
+              <a:pPr marL="0" lvl="0" indent="0" algn="l" rtl="0">
+                <a:spcBef>
+                  <a:spcPts val="0"/>
+                </a:spcBef>
+                <a:spcAft>
+                  <a:spcPts val="0"/>
+                </a:spcAft>
+                <a:buNone/>
+              </a:pPr>
+              <a:endParaRPr dirty="0"/>
+            </a:p>
+          </p:txBody>
+        </p:sp>
+        <p:sp>
+          <p:nvSpPr>
+            <p:cNvPr id="20" name="Google Shape;416;p37">
+              <a:extLst>
+                <a:ext uri="{FF2B5EF4-FFF2-40B4-BE49-F238E27FC236}">
+                  <a16:creationId xmlns:a16="http://schemas.microsoft.com/office/drawing/2014/main" id="{A1D75C93-0735-4EFB-8604-94FD74AEB0D3}"/>
+                </a:ext>
+              </a:extLst>
+            </p:cNvPr>
+            <p:cNvSpPr/>
+            <p:nvPr/>
+          </p:nvSpPr>
+          <p:spPr>
+            <a:xfrm rot="5400000">
+              <a:off x="2739044" y="-751734"/>
+              <a:ext cx="3665822" cy="6646939"/>
+            </a:xfrm>
+            <a:custGeom>
+              <a:avLst/>
+              <a:gdLst/>
+              <a:ahLst/>
+              <a:cxnLst/>
+              <a:rect l="l" t="t" r="r" b="b"/>
+              <a:pathLst>
+                <a:path w="47852" h="71534" extrusionOk="0">
+                  <a:moveTo>
+                    <a:pt x="47852" y="71533"/>
+                  </a:moveTo>
+                  <a:lnTo>
+                    <a:pt x="0" y="71533"/>
+                  </a:lnTo>
+                  <a:lnTo>
+                    <a:pt x="0" y="0"/>
+                  </a:lnTo>
+                  <a:lnTo>
+                    <a:pt x="47852" y="0"/>
+                  </a:lnTo>
+                  <a:close/>
+                  <a:moveTo>
+                    <a:pt x="441" y="71093"/>
+                  </a:moveTo>
+                  <a:lnTo>
+                    <a:pt x="47411" y="71093"/>
+                  </a:lnTo>
+                  <a:lnTo>
+                    <a:pt x="47411" y="453"/>
+                  </a:lnTo>
+                  <a:lnTo>
+                    <a:pt x="441" y="453"/>
+                  </a:lnTo>
+                  <a:close/>
+                </a:path>
+              </a:pathLst>
+            </a:custGeom>
+            <a:gradFill>
+              <a:gsLst>
+                <a:gs pos="0">
+                  <a:schemeClr val="accent6"/>
+                </a:gs>
+                <a:gs pos="50000">
+                  <a:schemeClr val="accent4"/>
+                </a:gs>
+                <a:gs pos="100000">
+                  <a:schemeClr val="accent5"/>
+                </a:gs>
+              </a:gsLst>
+              <a:lin ang="5400012" scaled="0"/>
+            </a:gradFill>
+            <a:ln>
+              <a:noFill/>
+            </a:ln>
+          </p:spPr>
+          <p:txBody>
+            <a:bodyPr spcFirstLastPara="1" wrap="square" lIns="91425" tIns="91425" rIns="91425" bIns="91425" anchor="ctr" anchorCtr="0">
+              <a:noAutofit/>
+            </a:bodyPr>
+            <a:lstStyle/>
+            <a:p>
+              <a:pPr marL="0" lvl="0" indent="0" algn="l" rtl="0">
+                <a:spcBef>
+                  <a:spcPts val="0"/>
+                </a:spcBef>
+                <a:spcAft>
+                  <a:spcPts val="0"/>
+                </a:spcAft>
+                <a:buNone/>
+              </a:pPr>
+              <a:endParaRPr/>
+            </a:p>
+          </p:txBody>
+        </p:sp>
+      </p:grpSp>
+      <p:sp>
+        <p:nvSpPr>
+          <p:cNvPr id="17" name="Google Shape;863;p55">
+            <a:extLst>
+              <a:ext uri="{FF2B5EF4-FFF2-40B4-BE49-F238E27FC236}">
+                <a16:creationId xmlns:a16="http://schemas.microsoft.com/office/drawing/2014/main" id="{FD75A432-5656-408B-8876-23450F75844B}"/>
+              </a:ext>
+            </a:extLst>
+          </p:cNvPr>
+          <p:cNvSpPr txBox="1">
+            <a:spLocks/>
+          </p:cNvSpPr>
+          <p:nvPr/>
+        </p:nvSpPr>
+        <p:spPr>
+          <a:xfrm>
+            <a:off x="2748000" y="2099271"/>
+            <a:ext cx="3648000" cy="867600"/>
+          </a:xfrm>
+          <a:prstGeom prst="rect">
+            <a:avLst/>
+          </a:prstGeom>
+          <a:noFill/>
+          <a:ln>
+            <a:noFill/>
+          </a:ln>
+        </p:spPr>
+        <p:txBody>
+          <a:bodyPr spcFirstLastPara="1" wrap="square" lIns="91425" tIns="91425" rIns="91425" bIns="91425" anchor="b" anchorCtr="0">
+            <a:noAutofit/>
+          </a:bodyPr>
+          <a:lstStyle>
+            <a:defPPr marR="0" lvl="0" algn="l" rtl="0">
+              <a:lnSpc>
+                <a:spcPct val="100000"/>
+              </a:lnSpc>
+              <a:spcBef>
+                <a:spcPts val="0"/>
+              </a:spcBef>
+              <a:spcAft>
+                <a:spcPts val="0"/>
+              </a:spcAft>
+            </a:defPPr>
+            <a:lvl1pPr marR="0" lvl="0" algn="ctr" rtl="0">
+              <a:lnSpc>
+                <a:spcPct val="100000"/>
+              </a:lnSpc>
+              <a:spcBef>
+                <a:spcPts val="0"/>
+              </a:spcBef>
+              <a:spcAft>
+                <a:spcPts val="0"/>
+              </a:spcAft>
+              <a:buClr>
+                <a:schemeClr val="accent5"/>
+              </a:buClr>
+              <a:buSzPts val="3300"/>
+              <a:buFont typeface="Abel"/>
+              <a:buNone/>
+              <a:defRPr sz="7500" b="0" i="0" u="none" strike="noStrike" cap="none">
+                <a:solidFill>
+                  <a:schemeClr val="accent5"/>
+                </a:solidFill>
+                <a:latin typeface="Abel"/>
+                <a:ea typeface="Abel"/>
+                <a:cs typeface="Abel"/>
+                <a:sym typeface="Abel"/>
+              </a:defRPr>
+            </a:lvl1pPr>
+            <a:lvl2pPr marR="0" lvl="1" algn="ctr" rtl="0">
+              <a:lnSpc>
+                <a:spcPct val="100000"/>
+              </a:lnSpc>
+              <a:spcBef>
+                <a:spcPts val="0"/>
+              </a:spcBef>
+              <a:spcAft>
+                <a:spcPts val="0"/>
+              </a:spcAft>
+              <a:buClr>
+                <a:schemeClr val="accent5"/>
+              </a:buClr>
+              <a:buSzPts val="3300"/>
+              <a:buFont typeface="Abel"/>
+              <a:buNone/>
+              <a:defRPr sz="3300" b="0" i="0" u="none" strike="noStrike" cap="none">
+                <a:solidFill>
+                  <a:schemeClr val="accent5"/>
+                </a:solidFill>
+                <a:latin typeface="Montserrat"/>
+                <a:ea typeface="Montserrat"/>
+                <a:cs typeface="Montserrat"/>
+                <a:sym typeface="Montserrat"/>
+              </a:defRPr>
+            </a:lvl2pPr>
+            <a:lvl3pPr marR="0" lvl="2" algn="ctr" rtl="0">
+              <a:lnSpc>
+                <a:spcPct val="100000"/>
+              </a:lnSpc>
+              <a:spcBef>
+                <a:spcPts val="0"/>
+              </a:spcBef>
+              <a:spcAft>
+                <a:spcPts val="0"/>
+              </a:spcAft>
+              <a:buClr>
+                <a:schemeClr val="accent5"/>
+              </a:buClr>
+              <a:buSzPts val="3300"/>
+              <a:buFont typeface="Abel"/>
+              <a:buNone/>
+              <a:defRPr sz="3300" b="0" i="0" u="none" strike="noStrike" cap="none">
+                <a:solidFill>
+                  <a:schemeClr val="accent5"/>
+                </a:solidFill>
+                <a:latin typeface="Montserrat"/>
+                <a:ea typeface="Montserrat"/>
+                <a:cs typeface="Montserrat"/>
+                <a:sym typeface="Montserrat"/>
+              </a:defRPr>
+            </a:lvl3pPr>
+            <a:lvl4pPr marR="0" lvl="3" algn="ctr" rtl="0">
+              <a:lnSpc>
+                <a:spcPct val="100000"/>
+              </a:lnSpc>
+              <a:spcBef>
+                <a:spcPts val="0"/>
+              </a:spcBef>
+              <a:spcAft>
+                <a:spcPts val="0"/>
+              </a:spcAft>
+              <a:buClr>
+                <a:schemeClr val="accent5"/>
+              </a:buClr>
+              <a:buSzPts val="3300"/>
+              <a:buFont typeface="Abel"/>
+              <a:buNone/>
+              <a:defRPr sz="3300" b="0" i="0" u="none" strike="noStrike" cap="none">
+                <a:solidFill>
+                  <a:schemeClr val="accent5"/>
+                </a:solidFill>
+                <a:latin typeface="Montserrat"/>
+                <a:ea typeface="Montserrat"/>
+                <a:cs typeface="Montserrat"/>
+                <a:sym typeface="Montserrat"/>
+              </a:defRPr>
+            </a:lvl4pPr>
+            <a:lvl5pPr marR="0" lvl="4" algn="ctr" rtl="0">
+              <a:lnSpc>
+                <a:spcPct val="100000"/>
+              </a:lnSpc>
+              <a:spcBef>
+                <a:spcPts val="0"/>
+              </a:spcBef>
+              <a:spcAft>
+                <a:spcPts val="0"/>
+              </a:spcAft>
+              <a:buClr>
+                <a:schemeClr val="accent5"/>
+              </a:buClr>
+              <a:buSzPts val="3300"/>
+              <a:buFont typeface="Abel"/>
+              <a:buNone/>
+              <a:defRPr sz="3300" b="0" i="0" u="none" strike="noStrike" cap="none">
+                <a:solidFill>
+                  <a:schemeClr val="accent5"/>
+                </a:solidFill>
+                <a:latin typeface="Montserrat"/>
+                <a:ea typeface="Montserrat"/>
+                <a:cs typeface="Montserrat"/>
+                <a:sym typeface="Montserrat"/>
+              </a:defRPr>
+            </a:lvl5pPr>
+            <a:lvl6pPr marR="0" lvl="5" algn="ctr" rtl="0">
+              <a:lnSpc>
+                <a:spcPct val="100000"/>
+              </a:lnSpc>
+              <a:spcBef>
+                <a:spcPts val="0"/>
+              </a:spcBef>
+              <a:spcAft>
+                <a:spcPts val="0"/>
+              </a:spcAft>
+              <a:buClr>
+                <a:schemeClr val="accent5"/>
+              </a:buClr>
+              <a:buSzPts val="3300"/>
+              <a:buFont typeface="Abel"/>
+              <a:buNone/>
+              <a:defRPr sz="3300" b="0" i="0" u="none" strike="noStrike" cap="none">
+                <a:solidFill>
+                  <a:schemeClr val="accent5"/>
+                </a:solidFill>
+                <a:latin typeface="Montserrat"/>
+                <a:ea typeface="Montserrat"/>
+                <a:cs typeface="Montserrat"/>
+                <a:sym typeface="Montserrat"/>
+              </a:defRPr>
+            </a:lvl6pPr>
+            <a:lvl7pPr marR="0" lvl="6" algn="ctr" rtl="0">
+              <a:lnSpc>
+                <a:spcPct val="100000"/>
+              </a:lnSpc>
+              <a:spcBef>
+                <a:spcPts val="0"/>
+              </a:spcBef>
+              <a:spcAft>
+                <a:spcPts val="0"/>
+              </a:spcAft>
+              <a:buClr>
+                <a:schemeClr val="accent5"/>
+              </a:buClr>
+              <a:buSzPts val="3300"/>
+              <a:buFont typeface="Abel"/>
+              <a:buNone/>
+              <a:defRPr sz="3300" b="0" i="0" u="none" strike="noStrike" cap="none">
+                <a:solidFill>
+                  <a:schemeClr val="accent5"/>
+                </a:solidFill>
+                <a:latin typeface="Montserrat"/>
+                <a:ea typeface="Montserrat"/>
+                <a:cs typeface="Montserrat"/>
+                <a:sym typeface="Montserrat"/>
+              </a:defRPr>
+            </a:lvl7pPr>
+            <a:lvl8pPr marR="0" lvl="7" algn="ctr" rtl="0">
+              <a:lnSpc>
+                <a:spcPct val="100000"/>
+              </a:lnSpc>
+              <a:spcBef>
+                <a:spcPts val="0"/>
+              </a:spcBef>
+              <a:spcAft>
+                <a:spcPts val="0"/>
+              </a:spcAft>
+              <a:buClr>
+                <a:schemeClr val="accent5"/>
+              </a:buClr>
+              <a:buSzPts val="3300"/>
+              <a:buFont typeface="Abel"/>
+              <a:buNone/>
+              <a:defRPr sz="3300" b="0" i="0" u="none" strike="noStrike" cap="none">
+                <a:solidFill>
+                  <a:schemeClr val="accent5"/>
+                </a:solidFill>
+                <a:latin typeface="Montserrat"/>
+                <a:ea typeface="Montserrat"/>
+                <a:cs typeface="Montserrat"/>
+                <a:sym typeface="Montserrat"/>
+              </a:defRPr>
+            </a:lvl8pPr>
+            <a:lvl9pPr marR="0" lvl="8" algn="ctr" rtl="0">
+              <a:lnSpc>
+                <a:spcPct val="100000"/>
+              </a:lnSpc>
+              <a:spcBef>
+                <a:spcPts val="0"/>
+              </a:spcBef>
+              <a:spcAft>
+                <a:spcPts val="0"/>
+              </a:spcAft>
+              <a:buClr>
+                <a:schemeClr val="accent5"/>
+              </a:buClr>
+              <a:buSzPts val="3300"/>
+              <a:buFont typeface="Abel"/>
+              <a:buNone/>
+              <a:defRPr sz="3300" b="0" i="0" u="none" strike="noStrike" cap="none">
+                <a:solidFill>
+                  <a:schemeClr val="accent5"/>
+                </a:solidFill>
+                <a:latin typeface="Montserrat"/>
+                <a:ea typeface="Montserrat"/>
+                <a:cs typeface="Montserrat"/>
+                <a:sym typeface="Montserrat"/>
+              </a:defRPr>
+            </a:lvl9pPr>
+          </a:lstStyle>
+          <a:p>
+            <a:r>
+              <a:rPr lang="en-US" b="1" dirty="0"/>
+              <a:t>THANKS!</a:t>
+            </a:r>
+          </a:p>
+        </p:txBody>
+      </p:sp>
+      <p:sp>
+        <p:nvSpPr>
+          <p:cNvPr id="21" name="Google Shape;520;p40">
+            <a:extLst>
+              <a:ext uri="{FF2B5EF4-FFF2-40B4-BE49-F238E27FC236}">
+                <a16:creationId xmlns:a16="http://schemas.microsoft.com/office/drawing/2014/main" id="{1BE55B16-82D9-4D28-A142-8FEB4A6E5F34}"/>
+              </a:ext>
+            </a:extLst>
+          </p:cNvPr>
+          <p:cNvSpPr txBox="1">
+            <a:spLocks/>
+          </p:cNvSpPr>
+          <p:nvPr/>
+        </p:nvSpPr>
+        <p:spPr>
+          <a:xfrm>
+            <a:off x="2748000" y="2950903"/>
+            <a:ext cx="3647999" cy="343500"/>
+          </a:xfrm>
+          <a:prstGeom prst="rect">
+            <a:avLst/>
+          </a:prstGeom>
+          <a:noFill/>
+          <a:ln>
+            <a:noFill/>
+          </a:ln>
+        </p:spPr>
+        <p:txBody>
+          <a:bodyPr spcFirstLastPara="1" wrap="square" lIns="91425" tIns="91425" rIns="91425" bIns="91425" anchor="ctr" anchorCtr="0">
+            <a:noAutofit/>
+          </a:bodyPr>
+          <a:lstStyle>
+            <a:defPPr marR="0" lvl="0" algn="l" rtl="0">
+              <a:lnSpc>
+                <a:spcPct val="100000"/>
+              </a:lnSpc>
+              <a:spcBef>
+                <a:spcPts val="0"/>
+              </a:spcBef>
+              <a:spcAft>
+                <a:spcPts val="0"/>
+              </a:spcAft>
+            </a:defPPr>
+            <a:lvl1pPr marL="457200" marR="0" lvl="0" indent="-317500" algn="l" rtl="0">
+              <a:lnSpc>
+                <a:spcPct val="100000"/>
+              </a:lnSpc>
+              <a:spcBef>
+                <a:spcPts val="0"/>
+              </a:spcBef>
+              <a:spcAft>
+                <a:spcPts val="0"/>
+              </a:spcAft>
+              <a:buClr>
+                <a:schemeClr val="accent3"/>
+              </a:buClr>
+              <a:buSzPts val="1400"/>
+              <a:buFont typeface="Montserrat"/>
+              <a:buChar char="●"/>
+              <a:defRPr sz="1400" b="0" i="0" u="none" strike="noStrike" cap="none">
+                <a:solidFill>
+                  <a:schemeClr val="accent3"/>
+                </a:solidFill>
+                <a:latin typeface="Montserrat"/>
+                <a:ea typeface="Montserrat"/>
+                <a:cs typeface="Montserrat"/>
+                <a:sym typeface="Montserrat"/>
+              </a:defRPr>
+            </a:lvl1pPr>
+            <a:lvl2pPr marL="914400" marR="0" lvl="1" indent="-317500" algn="l" rtl="0">
+              <a:lnSpc>
+                <a:spcPct val="100000"/>
+              </a:lnSpc>
+              <a:spcBef>
+                <a:spcPts val="0"/>
+              </a:spcBef>
+              <a:spcAft>
+                <a:spcPts val="0"/>
+              </a:spcAft>
+              <a:buClr>
+                <a:schemeClr val="accent3"/>
+              </a:buClr>
+              <a:buSzPts val="1400"/>
+              <a:buFont typeface="Montserrat"/>
+              <a:buChar char="○"/>
+              <a:defRPr sz="1400" b="0" i="0" u="none" strike="noStrike" cap="none">
+                <a:solidFill>
+                  <a:schemeClr val="accent3"/>
+                </a:solidFill>
+                <a:latin typeface="Montserrat"/>
+                <a:ea typeface="Montserrat"/>
+                <a:cs typeface="Montserrat"/>
+                <a:sym typeface="Montserrat"/>
+              </a:defRPr>
+            </a:lvl2pPr>
+            <a:lvl3pPr marL="1371600" marR="0" lvl="2" indent="-317500" algn="l" rtl="0">
+              <a:lnSpc>
+                <a:spcPct val="100000"/>
+              </a:lnSpc>
+              <a:spcBef>
+                <a:spcPts val="0"/>
+              </a:spcBef>
+              <a:spcAft>
+                <a:spcPts val="0"/>
+              </a:spcAft>
+              <a:buClr>
+                <a:schemeClr val="accent3"/>
+              </a:buClr>
+              <a:buSzPts val="1400"/>
+              <a:buFont typeface="Montserrat"/>
+              <a:buChar char="■"/>
+              <a:defRPr sz="1400" b="0" i="0" u="none" strike="noStrike" cap="none">
+                <a:solidFill>
+                  <a:schemeClr val="accent3"/>
+                </a:solidFill>
+                <a:latin typeface="Montserrat"/>
+                <a:ea typeface="Montserrat"/>
+                <a:cs typeface="Montserrat"/>
+                <a:sym typeface="Montserrat"/>
+              </a:defRPr>
+            </a:lvl3pPr>
+            <a:lvl4pPr marL="1828800" marR="0" lvl="3" indent="-317500" algn="l" rtl="0">
+              <a:lnSpc>
+                <a:spcPct val="100000"/>
+              </a:lnSpc>
+              <a:spcBef>
+                <a:spcPts val="0"/>
+              </a:spcBef>
+              <a:spcAft>
+                <a:spcPts val="0"/>
+              </a:spcAft>
+              <a:buClr>
+                <a:schemeClr val="accent3"/>
+              </a:buClr>
+              <a:buSzPts val="1400"/>
+              <a:buFont typeface="Montserrat"/>
+              <a:buChar char="●"/>
+              <a:defRPr sz="1400" b="0" i="0" u="none" strike="noStrike" cap="none">
+                <a:solidFill>
+                  <a:schemeClr val="accent3"/>
+                </a:solidFill>
+                <a:latin typeface="Montserrat"/>
+                <a:ea typeface="Montserrat"/>
+                <a:cs typeface="Montserrat"/>
+                <a:sym typeface="Montserrat"/>
+              </a:defRPr>
+            </a:lvl4pPr>
+            <a:lvl5pPr marL="2286000" marR="0" lvl="4" indent="-317500" algn="l" rtl="0">
+              <a:lnSpc>
+                <a:spcPct val="100000"/>
+              </a:lnSpc>
+              <a:spcBef>
+                <a:spcPts val="0"/>
+              </a:spcBef>
+              <a:spcAft>
+                <a:spcPts val="0"/>
+              </a:spcAft>
+              <a:buClr>
+                <a:schemeClr val="accent3"/>
+              </a:buClr>
+              <a:buSzPts val="1400"/>
+              <a:buFont typeface="Montserrat"/>
+              <a:buChar char="○"/>
+              <a:defRPr sz="1400" b="0" i="0" u="none" strike="noStrike" cap="none">
+                <a:solidFill>
+                  <a:schemeClr val="accent3"/>
+                </a:solidFill>
+                <a:latin typeface="Montserrat"/>
+                <a:ea typeface="Montserrat"/>
+                <a:cs typeface="Montserrat"/>
+                <a:sym typeface="Montserrat"/>
+              </a:defRPr>
+            </a:lvl5pPr>
+            <a:lvl6pPr marL="2743200" marR="0" lvl="5" indent="-317500" algn="l" rtl="0">
+              <a:lnSpc>
+                <a:spcPct val="100000"/>
+              </a:lnSpc>
+              <a:spcBef>
+                <a:spcPts val="0"/>
+              </a:spcBef>
+              <a:spcAft>
+                <a:spcPts val="0"/>
+              </a:spcAft>
+              <a:buClr>
+                <a:schemeClr val="accent3"/>
+              </a:buClr>
+              <a:buSzPts val="1400"/>
+              <a:buFont typeface="Montserrat"/>
+              <a:buChar char="■"/>
+              <a:defRPr sz="1400" b="0" i="0" u="none" strike="noStrike" cap="none">
+                <a:solidFill>
+                  <a:schemeClr val="accent3"/>
+                </a:solidFill>
+                <a:latin typeface="Montserrat"/>
+                <a:ea typeface="Montserrat"/>
+                <a:cs typeface="Montserrat"/>
+                <a:sym typeface="Montserrat"/>
+              </a:defRPr>
+            </a:lvl6pPr>
+            <a:lvl7pPr marL="3200400" marR="0" lvl="6" indent="-317500" algn="l" rtl="0">
+              <a:lnSpc>
+                <a:spcPct val="100000"/>
+              </a:lnSpc>
+              <a:spcBef>
+                <a:spcPts val="0"/>
+              </a:spcBef>
+              <a:spcAft>
+                <a:spcPts val="0"/>
+              </a:spcAft>
+              <a:buClr>
+                <a:schemeClr val="accent3"/>
+              </a:buClr>
+              <a:buSzPts val="1400"/>
+              <a:buFont typeface="Montserrat"/>
+              <a:buChar char="●"/>
+              <a:defRPr sz="1400" b="0" i="0" u="none" strike="noStrike" cap="none">
+                <a:solidFill>
+                  <a:schemeClr val="accent3"/>
+                </a:solidFill>
+                <a:latin typeface="Montserrat"/>
+                <a:ea typeface="Montserrat"/>
+                <a:cs typeface="Montserrat"/>
+                <a:sym typeface="Montserrat"/>
+              </a:defRPr>
+            </a:lvl7pPr>
+            <a:lvl8pPr marL="3657600" marR="0" lvl="7" indent="-317500" algn="l" rtl="0">
+              <a:lnSpc>
+                <a:spcPct val="100000"/>
+              </a:lnSpc>
+              <a:spcBef>
+                <a:spcPts val="0"/>
+              </a:spcBef>
+              <a:spcAft>
+                <a:spcPts val="0"/>
+              </a:spcAft>
+              <a:buClr>
+                <a:schemeClr val="accent3"/>
+              </a:buClr>
+              <a:buSzPts val="1400"/>
+              <a:buFont typeface="Montserrat"/>
+              <a:buChar char="○"/>
+              <a:defRPr sz="1400" b="0" i="0" u="none" strike="noStrike" cap="none">
+                <a:solidFill>
+                  <a:schemeClr val="accent3"/>
+                </a:solidFill>
+                <a:latin typeface="Montserrat"/>
+                <a:ea typeface="Montserrat"/>
+                <a:cs typeface="Montserrat"/>
+                <a:sym typeface="Montserrat"/>
+              </a:defRPr>
+            </a:lvl8pPr>
+            <a:lvl9pPr marL="4114800" marR="0" lvl="8" indent="-317500" algn="l" rtl="0">
+              <a:lnSpc>
+                <a:spcPct val="100000"/>
+              </a:lnSpc>
+              <a:spcBef>
+                <a:spcPts val="0"/>
+              </a:spcBef>
+              <a:spcAft>
+                <a:spcPts val="0"/>
+              </a:spcAft>
+              <a:buClr>
+                <a:schemeClr val="accent3"/>
+              </a:buClr>
+              <a:buSzPts val="1400"/>
+              <a:buFont typeface="Montserrat"/>
+              <a:buChar char="■"/>
+              <a:defRPr sz="1400" b="0" i="0" u="none" strike="noStrike" cap="none">
+                <a:solidFill>
+                  <a:schemeClr val="accent3"/>
+                </a:solidFill>
+                <a:latin typeface="Montserrat"/>
+                <a:ea typeface="Montserrat"/>
+                <a:cs typeface="Montserrat"/>
+                <a:sym typeface="Montserrat"/>
+              </a:defRPr>
+            </a:lvl9pPr>
+          </a:lstStyle>
+          <a:p>
+            <a:pPr marL="0" indent="0" algn="ctr">
+              <a:buFont typeface="Montserrat"/>
+              <a:buNone/>
+            </a:pPr>
+            <a:r>
+              <a:rPr lang="en-US" sz="1800" dirty="0">
+                <a:solidFill>
+                  <a:schemeClr val="accent5"/>
+                </a:solidFill>
+                <a:latin typeface="Abel"/>
+                <a:ea typeface="Abel"/>
+                <a:cs typeface="Abel"/>
+                <a:sym typeface="Abel"/>
+              </a:rPr>
+              <a:t>Any questions?</a:t>
+            </a:r>
+          </a:p>
+        </p:txBody>
+      </p:sp>
+    </p:spTree>
+  </p:cSld>
+  <p:clrMapOvr>
+    <a:masterClrMapping/>
+  </p:clrMapOvr>
+</p:sld>
+</file>
+
 <file path=ppt/slides/slide2.xml><?xml version="1.0" encoding="utf-8"?>
 <p:sld xmlns:a="http://schemas.openxmlformats.org/drawingml/2006/main" xmlns:r="http://schemas.openxmlformats.org/officeDocument/2006/relationships" xmlns:p="http://schemas.openxmlformats.org/presentationml/2006/main">
   <p:cSld>
@@ -13140,6 +15447,92 @@
 </file>
 
 <file path=ppt/slides/slide4.xml><?xml version="1.0" encoding="utf-8"?>
+<p:sld xmlns:a="http://schemas.openxmlformats.org/drawingml/2006/main" xmlns:r="http://schemas.openxmlformats.org/officeDocument/2006/relationships" xmlns:p="http://schemas.openxmlformats.org/presentationml/2006/main">
+  <p:cSld>
+    <p:spTree>
+      <p:nvGrpSpPr>
+        <p:cNvPr id="1" name=""/>
+        <p:cNvGrpSpPr/>
+        <p:nvPr/>
+      </p:nvGrpSpPr>
+      <p:grpSpPr>
+        <a:xfrm>
+          <a:off x="0" y="0"/>
+          <a:ext cx="0" cy="0"/>
+          <a:chOff x="0" y="0"/>
+          <a:chExt cx="0" cy="0"/>
+        </a:xfrm>
+      </p:grpSpPr>
+      <p:sp>
+        <p:nvSpPr>
+          <p:cNvPr id="2" name="Text Placeholder 1">
+            <a:extLst>
+              <a:ext uri="{FF2B5EF4-FFF2-40B4-BE49-F238E27FC236}">
+                <a16:creationId xmlns:a16="http://schemas.microsoft.com/office/drawing/2014/main" id="{956115F5-201A-4BF8-84FA-68952F3B4A49}"/>
+              </a:ext>
+            </a:extLst>
+          </p:cNvPr>
+          <p:cNvSpPr>
+            <a:spLocks noGrp="1"/>
+          </p:cNvSpPr>
+          <p:nvPr>
+            <p:ph type="body" idx="1"/>
+          </p:nvPr>
+        </p:nvSpPr>
+        <p:spPr/>
+        <p:txBody>
+          <a:bodyPr/>
+          <a:lstStyle/>
+          <a:p>
+            <a:r>
+              <a:rPr lang="en-US" dirty="0"/>
+              <a:t>There was no need for it to be done in python as I have done it in SQL when I was pulling the data from our database.</a:t>
+            </a:r>
+          </a:p>
+        </p:txBody>
+      </p:sp>
+      <p:sp>
+        <p:nvSpPr>
+          <p:cNvPr id="3" name="Title 2">
+            <a:extLst>
+              <a:ext uri="{FF2B5EF4-FFF2-40B4-BE49-F238E27FC236}">
+                <a16:creationId xmlns:a16="http://schemas.microsoft.com/office/drawing/2014/main" id="{CC2E0629-F35A-42DF-A04A-4995CD30EAD1}"/>
+              </a:ext>
+            </a:extLst>
+          </p:cNvPr>
+          <p:cNvSpPr>
+            <a:spLocks noGrp="1"/>
+          </p:cNvSpPr>
+          <p:nvPr>
+            <p:ph type="title"/>
+          </p:nvPr>
+        </p:nvSpPr>
+        <p:spPr/>
+        <p:txBody>
+          <a:bodyPr/>
+          <a:lstStyle/>
+          <a:p>
+            <a:r>
+              <a:rPr lang="en-US" dirty="0"/>
+              <a:t>Feature Engineering</a:t>
+            </a:r>
+          </a:p>
+        </p:txBody>
+      </p:sp>
+    </p:spTree>
+    <p:extLst>
+      <p:ext uri="{BB962C8B-B14F-4D97-AF65-F5344CB8AC3E}">
+        <p14:creationId xmlns:p14="http://schemas.microsoft.com/office/powerpoint/2010/main" val="2762789691"/>
+      </p:ext>
+    </p:extLst>
+  </p:cSld>
+  <p:clrMapOvr>
+    <a:masterClrMapping/>
+  </p:clrMapOvr>
+</p:sld>
+</file>
+
+<file path=ppt/slides/slide5.xml><?xml version="1.0" encoding="utf-8"?>
 <p:sld xmlns:a="http://schemas.openxmlformats.org/drawingml/2006/main" xmlns:r="http://schemas.openxmlformats.org/officeDocument/2006/relationships" xmlns:p="http://schemas.openxmlformats.org/presentationml/2006/main">
   <p:cSld>
     <p:spTree>
@@ -14224,7 +16617,7 @@
 </p:sld>
 </file>
 
-<file path=ppt/slides/slide5.xml><?xml version="1.0" encoding="utf-8"?>
+<file path=ppt/slides/slide6.xml><?xml version="1.0" encoding="utf-8"?>
 <p:sld xmlns:a="http://schemas.openxmlformats.org/drawingml/2006/main" xmlns:r="http://schemas.openxmlformats.org/officeDocument/2006/relationships" xmlns:p="http://schemas.openxmlformats.org/presentationml/2006/main">
   <p:cSld>
     <p:spTree>
@@ -14697,7 +17090,7 @@
 </p:sld>
 </file>
 
-<file path=ppt/slides/slide6.xml><?xml version="1.0" encoding="utf-8"?>
+<file path=ppt/slides/slide7.xml><?xml version="1.0" encoding="utf-8"?>
 <p:sld xmlns:a="http://schemas.openxmlformats.org/drawingml/2006/main" xmlns:r="http://schemas.openxmlformats.org/officeDocument/2006/relationships" xmlns:p="http://schemas.openxmlformats.org/presentationml/2006/main">
   <p:cSld>
     <p:spTree>
@@ -14769,7 +17162,7 @@
 </p:sld>
 </file>
 
-<file path=ppt/slides/slide7.xml><?xml version="1.0" encoding="utf-8"?>
+<file path=ppt/slides/slide8.xml><?xml version="1.0" encoding="utf-8"?>
 <p:sld xmlns:a="http://schemas.openxmlformats.org/drawingml/2006/main" xmlns:r="http://schemas.openxmlformats.org/officeDocument/2006/relationships" xmlns:p="http://schemas.openxmlformats.org/presentationml/2006/main">
   <p:cSld>
     <p:spTree>
@@ -17170,7 +19563,7 @@
 </p:sld>
 </file>
 
-<file path=ppt/slides/slide8.xml><?xml version="1.0" encoding="utf-8"?>
+<file path=ppt/slides/slide9.xml><?xml version="1.0" encoding="utf-8"?>
 <p:sld xmlns:a="http://schemas.openxmlformats.org/drawingml/2006/main" xmlns:r="http://schemas.openxmlformats.org/officeDocument/2006/relationships" xmlns:p="http://schemas.openxmlformats.org/presentationml/2006/main">
   <p:cSld>
     <p:spTree>
@@ -17519,2312 +19912,6 @@
         <p14:creationId xmlns:p14="http://schemas.microsoft.com/office/powerpoint/2010/main" val="2139663938"/>
       </p:ext>
     </p:extLst>
-  </p:cSld>
-  <p:clrMapOvr>
-    <a:masterClrMapping/>
-  </p:clrMapOvr>
-</p:sld>
-</file>
-
-<file path=ppt/slides/slide9.xml><?xml version="1.0" encoding="utf-8"?>
-<p:sld xmlns:a="http://schemas.openxmlformats.org/drawingml/2006/main" xmlns:r="http://schemas.openxmlformats.org/officeDocument/2006/relationships" xmlns:p="http://schemas.openxmlformats.org/presentationml/2006/main">
-  <p:cSld>
-    <p:spTree>
-      <p:nvGrpSpPr>
-        <p:cNvPr id="1" name="Shape 848"/>
-        <p:cNvGrpSpPr/>
-        <p:nvPr/>
-      </p:nvGrpSpPr>
-      <p:grpSpPr>
-        <a:xfrm>
-          <a:off x="0" y="0"/>
-          <a:ext cx="0" cy="0"/>
-          <a:chOff x="0" y="0"/>
-          <a:chExt cx="0" cy="0"/>
-        </a:xfrm>
-      </p:grpSpPr>
-      <p:sp>
-        <p:nvSpPr>
-          <p:cNvPr id="849" name="Google Shape;849;p55"/>
-          <p:cNvSpPr txBox="1">
-            <a:spLocks noGrp="1"/>
-          </p:cNvSpPr>
-          <p:nvPr>
-            <p:ph type="subTitle" idx="2"/>
-          </p:nvPr>
-        </p:nvSpPr>
-        <p:spPr>
-          <a:xfrm>
-            <a:off x="2822913" y="1947954"/>
-            <a:ext cx="3498300" cy="764100"/>
-          </a:xfrm>
-          <a:prstGeom prst="rect">
-            <a:avLst/>
-          </a:prstGeom>
-        </p:spPr>
-        <p:txBody>
-          <a:bodyPr spcFirstLastPara="1" wrap="square" lIns="91425" tIns="91425" rIns="91425" bIns="91425" anchor="ctr" anchorCtr="0">
-            <a:noAutofit/>
-          </a:bodyPr>
-          <a:lstStyle/>
-          <a:p>
-            <a:pPr marL="0" lvl="0" indent="0" algn="ctr" rtl="0">
-              <a:spcBef>
-                <a:spcPts val="0"/>
-              </a:spcBef>
-              <a:spcAft>
-                <a:spcPts val="0"/>
-              </a:spcAft>
-              <a:buNone/>
-            </a:pPr>
-            <a:r>
-              <a:rPr lang="en"/>
-              <a:t>add</a:t>
-            </a:r>
-            <a:r>
-              <a:rPr lang="en">
-                <a:uFill>
-                  <a:noFill/>
-                </a:uFill>
-                <a:hlinkClick r:id="rId3"/>
-              </a:rPr>
-              <a:t>youremail@freepik.com</a:t>
-            </a:r>
-            <a:endParaRPr/>
-          </a:p>
-          <a:p>
-            <a:pPr marL="0" lvl="0" indent="0" algn="ctr" rtl="0">
-              <a:spcBef>
-                <a:spcPts val="0"/>
-              </a:spcBef>
-              <a:spcAft>
-                <a:spcPts val="0"/>
-              </a:spcAft>
-              <a:buNone/>
-            </a:pPr>
-            <a:r>
-              <a:rPr lang="en"/>
-              <a:t>+91 620 421 838</a:t>
-            </a:r>
-            <a:endParaRPr/>
-          </a:p>
-          <a:p>
-            <a:pPr marL="0" lvl="0" indent="0" algn="ctr" rtl="0">
-              <a:spcBef>
-                <a:spcPts val="0"/>
-              </a:spcBef>
-              <a:spcAft>
-                <a:spcPts val="0"/>
-              </a:spcAft>
-              <a:buNone/>
-            </a:pPr>
-            <a:r>
-              <a:rPr lang="en"/>
-              <a:t>yourcompany.com</a:t>
-            </a:r>
-            <a:endParaRPr/>
-          </a:p>
-        </p:txBody>
-      </p:sp>
-      <p:sp>
-        <p:nvSpPr>
-          <p:cNvPr id="850" name="Google Shape;850;p55"/>
-          <p:cNvSpPr txBox="1">
-            <a:spLocks noGrp="1"/>
-          </p:cNvSpPr>
-          <p:nvPr>
-            <p:ph type="subTitle" idx="1"/>
-          </p:nvPr>
-        </p:nvSpPr>
-        <p:spPr>
-          <a:xfrm>
-            <a:off x="2822913" y="1453572"/>
-            <a:ext cx="3498300" cy="399000"/>
-          </a:xfrm>
-          <a:prstGeom prst="rect">
-            <a:avLst/>
-          </a:prstGeom>
-        </p:spPr>
-        <p:txBody>
-          <a:bodyPr spcFirstLastPara="1" wrap="square" lIns="91425" tIns="91425" rIns="91425" bIns="91425" anchor="ctr" anchorCtr="0">
-            <a:noAutofit/>
-          </a:bodyPr>
-          <a:lstStyle/>
-          <a:p>
-            <a:pPr marL="0" lvl="0" indent="0" algn="ctr" rtl="0">
-              <a:spcBef>
-                <a:spcPts val="0"/>
-              </a:spcBef>
-              <a:spcAft>
-                <a:spcPts val="0"/>
-              </a:spcAft>
-              <a:buNone/>
-            </a:pPr>
-            <a:r>
-              <a:rPr lang="en"/>
-              <a:t>DO YOU HAVE ANY QUESTION?</a:t>
-            </a:r>
-            <a:endParaRPr/>
-          </a:p>
-        </p:txBody>
-      </p:sp>
-      <p:sp>
-        <p:nvSpPr>
-          <p:cNvPr id="851" name="Google Shape;851;p55"/>
-          <p:cNvSpPr txBox="1"/>
-          <p:nvPr/>
-        </p:nvSpPr>
-        <p:spPr>
-          <a:xfrm>
-            <a:off x="2959263" y="4201956"/>
-            <a:ext cx="3225600" cy="276900"/>
-          </a:xfrm>
-          <a:prstGeom prst="rect">
-            <a:avLst/>
-          </a:prstGeom>
-          <a:noFill/>
-          <a:ln>
-            <a:noFill/>
-          </a:ln>
-        </p:spPr>
-        <p:txBody>
-          <a:bodyPr spcFirstLastPara="1" wrap="square" lIns="91425" tIns="91425" rIns="91425" bIns="91425" anchor="ctr" anchorCtr="0">
-            <a:noAutofit/>
-          </a:bodyPr>
-          <a:lstStyle/>
-          <a:p>
-            <a:pPr marL="0" lvl="0" indent="0" algn="ctr" rtl="0">
-              <a:spcBef>
-                <a:spcPts val="0"/>
-              </a:spcBef>
-              <a:spcAft>
-                <a:spcPts val="0"/>
-              </a:spcAft>
-              <a:buNone/>
-            </a:pPr>
-            <a:r>
-              <a:rPr lang="en" sz="1200" dirty="0">
-                <a:solidFill>
-                  <a:schemeClr val="accent5"/>
-                </a:solidFill>
-                <a:latin typeface="Montserrat"/>
-                <a:ea typeface="Montserrat"/>
-                <a:cs typeface="Montserrat"/>
-                <a:sym typeface="Montserrat"/>
-              </a:rPr>
-              <a:t>Please keep this slide for attribution.</a:t>
-            </a:r>
-            <a:endParaRPr sz="1200" dirty="0">
-              <a:solidFill>
-                <a:schemeClr val="accent5"/>
-              </a:solidFill>
-              <a:latin typeface="Montserrat"/>
-              <a:ea typeface="Montserrat"/>
-              <a:cs typeface="Montserrat"/>
-              <a:sym typeface="Montserrat"/>
-            </a:endParaRPr>
-          </a:p>
-        </p:txBody>
-      </p:sp>
-      <p:sp>
-        <p:nvSpPr>
-          <p:cNvPr id="852" name="Google Shape;852;p55"/>
-          <p:cNvSpPr/>
-          <p:nvPr/>
-        </p:nvSpPr>
-        <p:spPr>
-          <a:xfrm>
-            <a:off x="3949634" y="2909299"/>
-            <a:ext cx="345674" cy="346056"/>
-          </a:xfrm>
-          <a:custGeom>
-            <a:avLst/>
-            <a:gdLst/>
-            <a:ahLst/>
-            <a:cxnLst/>
-            <a:rect l="l" t="t" r="r" b="b"/>
-            <a:pathLst>
-              <a:path w="10860" h="10872" extrusionOk="0">
-                <a:moveTo>
-                  <a:pt x="5430" y="1"/>
-                </a:moveTo>
-                <a:cubicBezTo>
-                  <a:pt x="3990" y="1"/>
-                  <a:pt x="2608" y="560"/>
-                  <a:pt x="1596" y="1584"/>
-                </a:cubicBezTo>
-                <a:cubicBezTo>
-                  <a:pt x="561" y="2620"/>
-                  <a:pt x="1" y="3989"/>
-                  <a:pt x="1" y="5430"/>
-                </a:cubicBezTo>
-                <a:cubicBezTo>
-                  <a:pt x="1" y="6561"/>
-                  <a:pt x="346" y="7645"/>
-                  <a:pt x="1001" y="8573"/>
-                </a:cubicBezTo>
-                <a:cubicBezTo>
-                  <a:pt x="1632" y="9466"/>
-                  <a:pt x="2513" y="10145"/>
-                  <a:pt x="3537" y="10538"/>
-                </a:cubicBezTo>
-                <a:cubicBezTo>
-                  <a:pt x="3559" y="10544"/>
-                  <a:pt x="3579" y="10547"/>
-                  <a:pt x="3599" y="10547"/>
-                </a:cubicBezTo>
-                <a:cubicBezTo>
-                  <a:pt x="3656" y="10547"/>
-                  <a:pt x="3704" y="10522"/>
-                  <a:pt x="3740" y="10478"/>
-                </a:cubicBezTo>
-                <a:cubicBezTo>
-                  <a:pt x="3763" y="10443"/>
-                  <a:pt x="3763" y="10395"/>
-                  <a:pt x="3763" y="10371"/>
-                </a:cubicBezTo>
-                <a:lnTo>
-                  <a:pt x="3763" y="7275"/>
-                </a:lnTo>
-                <a:cubicBezTo>
-                  <a:pt x="3763" y="7180"/>
-                  <a:pt x="3692" y="7097"/>
-                  <a:pt x="3585" y="7097"/>
-                </a:cubicBezTo>
-                <a:lnTo>
-                  <a:pt x="2156" y="7097"/>
-                </a:lnTo>
-                <a:lnTo>
-                  <a:pt x="2156" y="5835"/>
-                </a:lnTo>
-                <a:lnTo>
-                  <a:pt x="3585" y="5835"/>
-                </a:lnTo>
-                <a:cubicBezTo>
-                  <a:pt x="3680" y="5835"/>
-                  <a:pt x="3763" y="5751"/>
-                  <a:pt x="3763" y="5656"/>
-                </a:cubicBezTo>
-                <a:lnTo>
-                  <a:pt x="3763" y="5430"/>
-                </a:lnTo>
-                <a:cubicBezTo>
-                  <a:pt x="3763" y="3942"/>
-                  <a:pt x="5180" y="2632"/>
-                  <a:pt x="6799" y="2632"/>
-                </a:cubicBezTo>
-                <a:lnTo>
-                  <a:pt x="7550" y="2632"/>
-                </a:lnTo>
-                <a:lnTo>
-                  <a:pt x="7550" y="3894"/>
-                </a:lnTo>
-                <a:lnTo>
-                  <a:pt x="6799" y="3894"/>
-                </a:lnTo>
-                <a:cubicBezTo>
-                  <a:pt x="6311" y="3894"/>
-                  <a:pt x="5883" y="4025"/>
-                  <a:pt x="5561" y="4287"/>
-                </a:cubicBezTo>
-                <a:cubicBezTo>
-                  <a:pt x="5228" y="4561"/>
-                  <a:pt x="5025" y="4966"/>
-                  <a:pt x="5025" y="5430"/>
-                </a:cubicBezTo>
-                <a:lnTo>
-                  <a:pt x="5025" y="5656"/>
-                </a:lnTo>
-                <a:cubicBezTo>
-                  <a:pt x="5025" y="5740"/>
-                  <a:pt x="5109" y="5835"/>
-                  <a:pt x="5204" y="5835"/>
-                </a:cubicBezTo>
-                <a:lnTo>
-                  <a:pt x="5883" y="5835"/>
-                </a:lnTo>
-                <a:cubicBezTo>
-                  <a:pt x="5966" y="5835"/>
-                  <a:pt x="6061" y="5751"/>
-                  <a:pt x="6061" y="5656"/>
-                </a:cubicBezTo>
-                <a:cubicBezTo>
-                  <a:pt x="6061" y="5561"/>
-                  <a:pt x="5978" y="5478"/>
-                  <a:pt x="5883" y="5478"/>
-                </a:cubicBezTo>
-                <a:lnTo>
-                  <a:pt x="5371" y="5478"/>
-                </a:lnTo>
-                <a:lnTo>
-                  <a:pt x="5371" y="5418"/>
-                </a:lnTo>
-                <a:cubicBezTo>
-                  <a:pt x="5371" y="4525"/>
-                  <a:pt x="6145" y="4204"/>
-                  <a:pt x="6799" y="4204"/>
-                </a:cubicBezTo>
-                <a:lnTo>
-                  <a:pt x="7704" y="4204"/>
-                </a:lnTo>
-                <a:cubicBezTo>
-                  <a:pt x="7800" y="4204"/>
-                  <a:pt x="7883" y="4132"/>
-                  <a:pt x="7883" y="4025"/>
-                </a:cubicBezTo>
-                <a:lnTo>
-                  <a:pt x="7883" y="2418"/>
-                </a:lnTo>
-                <a:cubicBezTo>
-                  <a:pt x="7883" y="2334"/>
-                  <a:pt x="7811" y="2239"/>
-                  <a:pt x="7704" y="2239"/>
-                </a:cubicBezTo>
-                <a:lnTo>
-                  <a:pt x="6799" y="2239"/>
-                </a:lnTo>
-                <a:cubicBezTo>
-                  <a:pt x="5966" y="2239"/>
-                  <a:pt x="5121" y="2572"/>
-                  <a:pt x="4466" y="3156"/>
-                </a:cubicBezTo>
-                <a:cubicBezTo>
-                  <a:pt x="3799" y="3763"/>
-                  <a:pt x="3418" y="4549"/>
-                  <a:pt x="3418" y="5382"/>
-                </a:cubicBezTo>
-                <a:lnTo>
-                  <a:pt x="3418" y="5442"/>
-                </a:lnTo>
-                <a:lnTo>
-                  <a:pt x="1989" y="5442"/>
-                </a:lnTo>
-                <a:cubicBezTo>
-                  <a:pt x="1906" y="5442"/>
-                  <a:pt x="1811" y="5513"/>
-                  <a:pt x="1811" y="5620"/>
-                </a:cubicBezTo>
-                <a:lnTo>
-                  <a:pt x="1811" y="7228"/>
-                </a:lnTo>
-                <a:cubicBezTo>
-                  <a:pt x="1811" y="7323"/>
-                  <a:pt x="1894" y="7406"/>
-                  <a:pt x="1989" y="7406"/>
-                </a:cubicBezTo>
-                <a:lnTo>
-                  <a:pt x="3418" y="7406"/>
-                </a:lnTo>
-                <a:lnTo>
-                  <a:pt x="3418" y="10085"/>
-                </a:lnTo>
-                <a:cubicBezTo>
-                  <a:pt x="1561" y="9300"/>
-                  <a:pt x="346" y="7442"/>
-                  <a:pt x="346" y="5418"/>
-                </a:cubicBezTo>
-                <a:cubicBezTo>
-                  <a:pt x="346" y="2596"/>
-                  <a:pt x="2620" y="322"/>
-                  <a:pt x="5430" y="322"/>
-                </a:cubicBezTo>
-                <a:cubicBezTo>
-                  <a:pt x="8228" y="322"/>
-                  <a:pt x="10526" y="2620"/>
-                  <a:pt x="10526" y="5418"/>
-                </a:cubicBezTo>
-                <a:cubicBezTo>
-                  <a:pt x="10526" y="8228"/>
-                  <a:pt x="8240" y="10502"/>
-                  <a:pt x="5430" y="10502"/>
-                </a:cubicBezTo>
-                <a:lnTo>
-                  <a:pt x="5371" y="10502"/>
-                </a:lnTo>
-                <a:lnTo>
-                  <a:pt x="5371" y="7418"/>
-                </a:lnTo>
-                <a:lnTo>
-                  <a:pt x="7728" y="7418"/>
-                </a:lnTo>
-                <a:cubicBezTo>
-                  <a:pt x="7811" y="7418"/>
-                  <a:pt x="7907" y="7347"/>
-                  <a:pt x="7907" y="7240"/>
-                </a:cubicBezTo>
-                <a:lnTo>
-                  <a:pt x="7907" y="5656"/>
-                </a:lnTo>
-                <a:cubicBezTo>
-                  <a:pt x="7907" y="5561"/>
-                  <a:pt x="7823" y="5478"/>
-                  <a:pt x="7728" y="5478"/>
-                </a:cubicBezTo>
-                <a:lnTo>
-                  <a:pt x="6728" y="5478"/>
-                </a:lnTo>
-                <a:cubicBezTo>
-                  <a:pt x="6633" y="5478"/>
-                  <a:pt x="6549" y="5549"/>
-                  <a:pt x="6549" y="5656"/>
-                </a:cubicBezTo>
-                <a:cubicBezTo>
-                  <a:pt x="6549" y="5740"/>
-                  <a:pt x="6621" y="5835"/>
-                  <a:pt x="6728" y="5835"/>
-                </a:cubicBezTo>
-                <a:lnTo>
-                  <a:pt x="7561" y="5835"/>
-                </a:lnTo>
-                <a:lnTo>
-                  <a:pt x="7561" y="7097"/>
-                </a:lnTo>
-                <a:lnTo>
-                  <a:pt x="5204" y="7097"/>
-                </a:lnTo>
-                <a:cubicBezTo>
-                  <a:pt x="5121" y="7097"/>
-                  <a:pt x="5025" y="7168"/>
-                  <a:pt x="5025" y="7275"/>
-                </a:cubicBezTo>
-                <a:lnTo>
-                  <a:pt x="5025" y="10693"/>
-                </a:lnTo>
-                <a:cubicBezTo>
-                  <a:pt x="5025" y="10788"/>
-                  <a:pt x="5109" y="10859"/>
-                  <a:pt x="5192" y="10871"/>
-                </a:cubicBezTo>
-                <a:lnTo>
-                  <a:pt x="5430" y="10871"/>
-                </a:lnTo>
-                <a:cubicBezTo>
-                  <a:pt x="6871" y="10871"/>
-                  <a:pt x="8240" y="10312"/>
-                  <a:pt x="9276" y="9288"/>
-                </a:cubicBezTo>
-                <a:cubicBezTo>
-                  <a:pt x="10300" y="8252"/>
-                  <a:pt x="10859" y="6883"/>
-                  <a:pt x="10859" y="5442"/>
-                </a:cubicBezTo>
-                <a:cubicBezTo>
-                  <a:pt x="10859" y="3989"/>
-                  <a:pt x="10300" y="2620"/>
-                  <a:pt x="9276" y="1584"/>
-                </a:cubicBezTo>
-                <a:cubicBezTo>
-                  <a:pt x="8240" y="560"/>
-                  <a:pt x="6871" y="1"/>
-                  <a:pt x="5430" y="1"/>
-                </a:cubicBezTo>
-                <a:close/>
-              </a:path>
-            </a:pathLst>
-          </a:custGeom>
-          <a:solidFill>
-            <a:schemeClr val="accent5"/>
-          </a:solidFill>
-          <a:ln>
-            <a:noFill/>
-          </a:ln>
-        </p:spPr>
-        <p:txBody>
-          <a:bodyPr spcFirstLastPara="1" wrap="square" lIns="91425" tIns="91425" rIns="91425" bIns="91425" anchor="ctr" anchorCtr="0">
-            <a:noAutofit/>
-          </a:bodyPr>
-          <a:lstStyle/>
-          <a:p>
-            <a:pPr marL="0" lvl="0" indent="0" algn="l" rtl="0">
-              <a:spcBef>
-                <a:spcPts val="0"/>
-              </a:spcBef>
-              <a:spcAft>
-                <a:spcPts val="0"/>
-              </a:spcAft>
-              <a:buNone/>
-            </a:pPr>
-            <a:endParaRPr/>
-          </a:p>
-        </p:txBody>
-      </p:sp>
-      <p:grpSp>
-        <p:nvGrpSpPr>
-          <p:cNvPr id="853" name="Google Shape;853;p55"/>
-          <p:cNvGrpSpPr/>
-          <p:nvPr/>
-        </p:nvGrpSpPr>
-        <p:grpSpPr>
-          <a:xfrm>
-            <a:off x="4399106" y="2909299"/>
-            <a:ext cx="346056" cy="345674"/>
-            <a:chOff x="3303268" y="3817349"/>
-            <a:chExt cx="346056" cy="345674"/>
-          </a:xfrm>
-        </p:grpSpPr>
-        <p:sp>
-          <p:nvSpPr>
-            <p:cNvPr id="854" name="Google Shape;854;p55"/>
-            <p:cNvSpPr/>
-            <p:nvPr/>
-          </p:nvSpPr>
-          <p:spPr>
-            <a:xfrm>
-              <a:off x="3303268" y="3817349"/>
-              <a:ext cx="346056" cy="345674"/>
-            </a:xfrm>
-            <a:custGeom>
-              <a:avLst/>
-              <a:gdLst/>
-              <a:ahLst/>
-              <a:cxnLst/>
-              <a:rect l="l" t="t" r="r" b="b"/>
-              <a:pathLst>
-                <a:path w="10872" h="10860" extrusionOk="0">
-                  <a:moveTo>
-                    <a:pt x="5418" y="334"/>
-                  </a:moveTo>
-                  <a:cubicBezTo>
-                    <a:pt x="8228" y="334"/>
-                    <a:pt x="10514" y="2608"/>
-                    <a:pt x="10514" y="5430"/>
-                  </a:cubicBezTo>
-                  <a:cubicBezTo>
-                    <a:pt x="10514" y="8240"/>
-                    <a:pt x="8228" y="10514"/>
-                    <a:pt x="5418" y="10514"/>
-                  </a:cubicBezTo>
-                  <a:cubicBezTo>
-                    <a:pt x="2608" y="10514"/>
-                    <a:pt x="334" y="8240"/>
-                    <a:pt x="334" y="5430"/>
-                  </a:cubicBezTo>
-                  <a:cubicBezTo>
-                    <a:pt x="334" y="2608"/>
-                    <a:pt x="2608" y="334"/>
-                    <a:pt x="5418" y="334"/>
-                  </a:cubicBezTo>
-                  <a:close/>
-                  <a:moveTo>
-                    <a:pt x="5430" y="1"/>
-                  </a:moveTo>
-                  <a:cubicBezTo>
-                    <a:pt x="3989" y="1"/>
-                    <a:pt x="2620" y="560"/>
-                    <a:pt x="1596" y="1584"/>
-                  </a:cubicBezTo>
-                  <a:cubicBezTo>
-                    <a:pt x="572" y="2620"/>
-                    <a:pt x="1" y="3989"/>
-                    <a:pt x="1" y="5430"/>
-                  </a:cubicBezTo>
-                  <a:cubicBezTo>
-                    <a:pt x="1" y="6871"/>
-                    <a:pt x="572" y="8240"/>
-                    <a:pt x="1596" y="9264"/>
-                  </a:cubicBezTo>
-                  <a:cubicBezTo>
-                    <a:pt x="2620" y="10300"/>
-                    <a:pt x="3989" y="10859"/>
-                    <a:pt x="5430" y="10859"/>
-                  </a:cubicBezTo>
-                  <a:cubicBezTo>
-                    <a:pt x="6883" y="10859"/>
-                    <a:pt x="8252" y="10300"/>
-                    <a:pt x="9276" y="9264"/>
-                  </a:cubicBezTo>
-                  <a:cubicBezTo>
-                    <a:pt x="10300" y="8240"/>
-                    <a:pt x="10871" y="6871"/>
-                    <a:pt x="10871" y="5430"/>
-                  </a:cubicBezTo>
-                  <a:cubicBezTo>
-                    <a:pt x="10871" y="3989"/>
-                    <a:pt x="10300" y="2620"/>
-                    <a:pt x="9276" y="1584"/>
-                  </a:cubicBezTo>
-                  <a:cubicBezTo>
-                    <a:pt x="8252" y="560"/>
-                    <a:pt x="6883" y="1"/>
-                    <a:pt x="5430" y="1"/>
-                  </a:cubicBezTo>
-                  <a:close/>
-                </a:path>
-              </a:pathLst>
-            </a:custGeom>
-            <a:solidFill>
-              <a:schemeClr val="accent5"/>
-            </a:solidFill>
-            <a:ln>
-              <a:noFill/>
-            </a:ln>
-          </p:spPr>
-          <p:txBody>
-            <a:bodyPr spcFirstLastPara="1" wrap="square" lIns="91425" tIns="91425" rIns="91425" bIns="91425" anchor="ctr" anchorCtr="0">
-              <a:noAutofit/>
-            </a:bodyPr>
-            <a:lstStyle/>
-            <a:p>
-              <a:pPr marL="0" lvl="0" indent="0" algn="l" rtl="0">
-                <a:spcBef>
-                  <a:spcPts val="0"/>
-                </a:spcBef>
-                <a:spcAft>
-                  <a:spcPts val="0"/>
-                </a:spcAft>
-                <a:buNone/>
-              </a:pPr>
-              <a:endParaRPr dirty="0"/>
-            </a:p>
-          </p:txBody>
-        </p:sp>
-        <p:sp>
-          <p:nvSpPr>
-            <p:cNvPr id="855" name="Google Shape;855;p55"/>
-            <p:cNvSpPr/>
-            <p:nvPr/>
-          </p:nvSpPr>
-          <p:spPr>
-            <a:xfrm>
-              <a:off x="3368074" y="3882537"/>
-              <a:ext cx="215298" cy="215298"/>
-            </a:xfrm>
-            <a:custGeom>
-              <a:avLst/>
-              <a:gdLst/>
-              <a:ahLst/>
-              <a:cxnLst/>
-              <a:rect l="l" t="t" r="r" b="b"/>
-              <a:pathLst>
-                <a:path w="6764" h="6764" extrusionOk="0">
-                  <a:moveTo>
-                    <a:pt x="5335" y="346"/>
-                  </a:moveTo>
-                  <a:cubicBezTo>
-                    <a:pt x="5930" y="346"/>
-                    <a:pt x="6418" y="834"/>
-                    <a:pt x="6418" y="1429"/>
-                  </a:cubicBezTo>
-                  <a:lnTo>
-                    <a:pt x="6418" y="5335"/>
-                  </a:lnTo>
-                  <a:cubicBezTo>
-                    <a:pt x="6418" y="5930"/>
-                    <a:pt x="5930" y="6418"/>
-                    <a:pt x="5335" y="6418"/>
-                  </a:cubicBezTo>
-                  <a:lnTo>
-                    <a:pt x="1429" y="6418"/>
-                  </a:lnTo>
-                  <a:cubicBezTo>
-                    <a:pt x="834" y="6418"/>
-                    <a:pt x="346" y="5930"/>
-                    <a:pt x="346" y="5335"/>
-                  </a:cubicBezTo>
-                  <a:lnTo>
-                    <a:pt x="346" y="1429"/>
-                  </a:lnTo>
-                  <a:cubicBezTo>
-                    <a:pt x="346" y="834"/>
-                    <a:pt x="834" y="346"/>
-                    <a:pt x="1429" y="346"/>
-                  </a:cubicBezTo>
-                  <a:close/>
-                  <a:moveTo>
-                    <a:pt x="1429" y="1"/>
-                  </a:moveTo>
-                  <a:cubicBezTo>
-                    <a:pt x="644" y="1"/>
-                    <a:pt x="1" y="644"/>
-                    <a:pt x="1" y="1429"/>
-                  </a:cubicBezTo>
-                  <a:lnTo>
-                    <a:pt x="1" y="5335"/>
-                  </a:lnTo>
-                  <a:cubicBezTo>
-                    <a:pt x="1" y="6120"/>
-                    <a:pt x="644" y="6763"/>
-                    <a:pt x="1429" y="6763"/>
-                  </a:cubicBezTo>
-                  <a:lnTo>
-                    <a:pt x="5335" y="6763"/>
-                  </a:lnTo>
-                  <a:cubicBezTo>
-                    <a:pt x="6121" y="6763"/>
-                    <a:pt x="6763" y="6120"/>
-                    <a:pt x="6763" y="5335"/>
-                  </a:cubicBezTo>
-                  <a:lnTo>
-                    <a:pt x="6763" y="1429"/>
-                  </a:lnTo>
-                  <a:cubicBezTo>
-                    <a:pt x="6763" y="644"/>
-                    <a:pt x="6121" y="1"/>
-                    <a:pt x="5335" y="1"/>
-                  </a:cubicBezTo>
-                  <a:close/>
-                </a:path>
-              </a:pathLst>
-            </a:custGeom>
-            <a:solidFill>
-              <a:schemeClr val="accent5"/>
-            </a:solidFill>
-            <a:ln>
-              <a:noFill/>
-            </a:ln>
-          </p:spPr>
-          <p:txBody>
-            <a:bodyPr spcFirstLastPara="1" wrap="square" lIns="91425" tIns="91425" rIns="91425" bIns="91425" anchor="ctr" anchorCtr="0">
-              <a:noAutofit/>
-            </a:bodyPr>
-            <a:lstStyle/>
-            <a:p>
-              <a:pPr marL="0" lvl="0" indent="0" algn="l" rtl="0">
-                <a:spcBef>
-                  <a:spcPts val="0"/>
-                </a:spcBef>
-                <a:spcAft>
-                  <a:spcPts val="0"/>
-                </a:spcAft>
-                <a:buNone/>
-              </a:pPr>
-              <a:endParaRPr/>
-            </a:p>
-          </p:txBody>
-        </p:sp>
-        <p:sp>
-          <p:nvSpPr>
-            <p:cNvPr id="856" name="Google Shape;856;p55"/>
-            <p:cNvSpPr/>
-            <p:nvPr/>
-          </p:nvSpPr>
-          <p:spPr>
-            <a:xfrm>
-              <a:off x="3418143" y="3933656"/>
-              <a:ext cx="114811" cy="112742"/>
-            </a:xfrm>
-            <a:custGeom>
-              <a:avLst/>
-              <a:gdLst/>
-              <a:ahLst/>
-              <a:cxnLst/>
-              <a:rect l="l" t="t" r="r" b="b"/>
-              <a:pathLst>
-                <a:path w="3607" h="3542" extrusionOk="0">
-                  <a:moveTo>
-                    <a:pt x="1822" y="0"/>
-                  </a:moveTo>
-                  <a:cubicBezTo>
-                    <a:pt x="812" y="0"/>
-                    <a:pt x="1" y="851"/>
-                    <a:pt x="59" y="1859"/>
-                  </a:cubicBezTo>
-                  <a:cubicBezTo>
-                    <a:pt x="95" y="2776"/>
-                    <a:pt x="833" y="3502"/>
-                    <a:pt x="1726" y="3538"/>
-                  </a:cubicBezTo>
-                  <a:cubicBezTo>
-                    <a:pt x="1764" y="3541"/>
-                    <a:pt x="1802" y="3542"/>
-                    <a:pt x="1840" y="3542"/>
-                  </a:cubicBezTo>
-                  <a:cubicBezTo>
-                    <a:pt x="2178" y="3542"/>
-                    <a:pt x="2494" y="3447"/>
-                    <a:pt x="2762" y="3276"/>
-                  </a:cubicBezTo>
-                  <a:cubicBezTo>
-                    <a:pt x="2857" y="3217"/>
-                    <a:pt x="2869" y="3086"/>
-                    <a:pt x="2797" y="3014"/>
-                  </a:cubicBezTo>
-                  <a:cubicBezTo>
-                    <a:pt x="2761" y="2978"/>
-                    <a:pt x="2711" y="2964"/>
-                    <a:pt x="2664" y="2964"/>
-                  </a:cubicBezTo>
-                  <a:cubicBezTo>
-                    <a:pt x="2634" y="2964"/>
-                    <a:pt x="2606" y="2969"/>
-                    <a:pt x="2583" y="2979"/>
-                  </a:cubicBezTo>
-                  <a:cubicBezTo>
-                    <a:pt x="2380" y="3096"/>
-                    <a:pt x="2149" y="3185"/>
-                    <a:pt x="1897" y="3185"/>
-                  </a:cubicBezTo>
-                  <a:cubicBezTo>
-                    <a:pt x="1868" y="3185"/>
-                    <a:pt x="1839" y="3183"/>
-                    <a:pt x="1809" y="3181"/>
-                  </a:cubicBezTo>
-                  <a:cubicBezTo>
-                    <a:pt x="1023" y="3169"/>
-                    <a:pt x="380" y="2514"/>
-                    <a:pt x="392" y="1716"/>
-                  </a:cubicBezTo>
-                  <a:cubicBezTo>
-                    <a:pt x="426" y="948"/>
-                    <a:pt x="1028" y="330"/>
-                    <a:pt x="1792" y="330"/>
-                  </a:cubicBezTo>
-                  <a:cubicBezTo>
-                    <a:pt x="1833" y="330"/>
-                    <a:pt x="1874" y="332"/>
-                    <a:pt x="1916" y="335"/>
-                  </a:cubicBezTo>
-                  <a:cubicBezTo>
-                    <a:pt x="2619" y="371"/>
-                    <a:pt x="3190" y="943"/>
-                    <a:pt x="3250" y="1633"/>
-                  </a:cubicBezTo>
-                  <a:cubicBezTo>
-                    <a:pt x="3285" y="1919"/>
-                    <a:pt x="3214" y="2193"/>
-                    <a:pt x="3095" y="2431"/>
-                  </a:cubicBezTo>
-                  <a:cubicBezTo>
-                    <a:pt x="3059" y="2490"/>
-                    <a:pt x="3059" y="2574"/>
-                    <a:pt x="3119" y="2633"/>
-                  </a:cubicBezTo>
-                  <a:cubicBezTo>
-                    <a:pt x="3149" y="2663"/>
-                    <a:pt x="3191" y="2678"/>
-                    <a:pt x="3234" y="2678"/>
-                  </a:cubicBezTo>
-                  <a:cubicBezTo>
-                    <a:pt x="3295" y="2678"/>
-                    <a:pt x="3358" y="2648"/>
-                    <a:pt x="3393" y="2586"/>
-                  </a:cubicBezTo>
-                  <a:cubicBezTo>
-                    <a:pt x="3536" y="2324"/>
-                    <a:pt x="3607" y="2014"/>
-                    <a:pt x="3583" y="1669"/>
-                  </a:cubicBezTo>
-                  <a:cubicBezTo>
-                    <a:pt x="3536" y="764"/>
-                    <a:pt x="2797" y="50"/>
-                    <a:pt x="1904" y="2"/>
-                  </a:cubicBezTo>
-                  <a:cubicBezTo>
-                    <a:pt x="1877" y="1"/>
-                    <a:pt x="1849" y="0"/>
-                    <a:pt x="1822" y="0"/>
-                  </a:cubicBezTo>
-                  <a:close/>
-                </a:path>
-              </a:pathLst>
-            </a:custGeom>
-            <a:solidFill>
-              <a:schemeClr val="accent5"/>
-            </a:solidFill>
-            <a:ln>
-              <a:noFill/>
-            </a:ln>
-          </p:spPr>
-          <p:txBody>
-            <a:bodyPr spcFirstLastPara="1" wrap="square" lIns="91425" tIns="91425" rIns="91425" bIns="91425" anchor="ctr" anchorCtr="0">
-              <a:noAutofit/>
-            </a:bodyPr>
-            <a:lstStyle/>
-            <a:p>
-              <a:pPr marL="0" lvl="0" indent="0" algn="l" rtl="0">
-                <a:spcBef>
-                  <a:spcPts val="0"/>
-                </a:spcBef>
-                <a:spcAft>
-                  <a:spcPts val="0"/>
-                </a:spcAft>
-                <a:buNone/>
-              </a:pPr>
-              <a:endParaRPr/>
-            </a:p>
-          </p:txBody>
-        </p:sp>
-        <p:sp>
-          <p:nvSpPr>
-            <p:cNvPr id="857" name="Google Shape;857;p55"/>
-            <p:cNvSpPr/>
-            <p:nvPr/>
-          </p:nvSpPr>
-          <p:spPr>
-            <a:xfrm>
-              <a:off x="3519298" y="3910197"/>
-              <a:ext cx="29570" cy="29220"/>
-            </a:xfrm>
-            <a:custGeom>
-              <a:avLst/>
-              <a:gdLst/>
-              <a:ahLst/>
-              <a:cxnLst/>
-              <a:rect l="l" t="t" r="r" b="b"/>
-              <a:pathLst>
-                <a:path w="929" h="918" extrusionOk="0">
-                  <a:moveTo>
-                    <a:pt x="465" y="1"/>
-                  </a:moveTo>
-                  <a:cubicBezTo>
-                    <a:pt x="203" y="1"/>
-                    <a:pt x="0" y="203"/>
-                    <a:pt x="0" y="453"/>
-                  </a:cubicBezTo>
-                  <a:cubicBezTo>
-                    <a:pt x="0" y="715"/>
-                    <a:pt x="203" y="918"/>
-                    <a:pt x="465" y="918"/>
-                  </a:cubicBezTo>
-                  <a:cubicBezTo>
-                    <a:pt x="715" y="918"/>
-                    <a:pt x="929" y="715"/>
-                    <a:pt x="929" y="453"/>
-                  </a:cubicBezTo>
-                  <a:cubicBezTo>
-                    <a:pt x="929" y="203"/>
-                    <a:pt x="715" y="1"/>
-                    <a:pt x="465" y="1"/>
-                  </a:cubicBezTo>
-                  <a:close/>
-                </a:path>
-              </a:pathLst>
-            </a:custGeom>
-            <a:solidFill>
-              <a:schemeClr val="accent5"/>
-            </a:solidFill>
-            <a:ln>
-              <a:noFill/>
-            </a:ln>
-          </p:spPr>
-          <p:txBody>
-            <a:bodyPr spcFirstLastPara="1" wrap="square" lIns="91425" tIns="91425" rIns="91425" bIns="91425" anchor="ctr" anchorCtr="0">
-              <a:noAutofit/>
-            </a:bodyPr>
-            <a:lstStyle/>
-            <a:p>
-              <a:pPr marL="0" lvl="0" indent="0" algn="l" rtl="0">
-                <a:spcBef>
-                  <a:spcPts val="0"/>
-                </a:spcBef>
-                <a:spcAft>
-                  <a:spcPts val="0"/>
-                </a:spcAft>
-                <a:buNone/>
-              </a:pPr>
-              <a:endParaRPr/>
-            </a:p>
-          </p:txBody>
-        </p:sp>
-      </p:grpSp>
-      <p:grpSp>
-        <p:nvGrpSpPr>
-          <p:cNvPr id="858" name="Google Shape;858;p55"/>
-          <p:cNvGrpSpPr/>
-          <p:nvPr/>
-        </p:nvGrpSpPr>
-        <p:grpSpPr>
-          <a:xfrm>
-            <a:off x="4848195" y="2909299"/>
-            <a:ext cx="346056" cy="345674"/>
-            <a:chOff x="3752358" y="3817349"/>
-            <a:chExt cx="346056" cy="345674"/>
-          </a:xfrm>
-        </p:grpSpPr>
-        <p:sp>
-          <p:nvSpPr>
-            <p:cNvPr id="859" name="Google Shape;859;p55"/>
-            <p:cNvSpPr/>
-            <p:nvPr/>
-          </p:nvSpPr>
-          <p:spPr>
-            <a:xfrm>
-              <a:off x="3752358" y="3817349"/>
-              <a:ext cx="346056" cy="345674"/>
-            </a:xfrm>
-            <a:custGeom>
-              <a:avLst/>
-              <a:gdLst/>
-              <a:ahLst/>
-              <a:cxnLst/>
-              <a:rect l="l" t="t" r="r" b="b"/>
-              <a:pathLst>
-                <a:path w="10872" h="10860" extrusionOk="0">
-                  <a:moveTo>
-                    <a:pt x="5430" y="334"/>
-                  </a:moveTo>
-                  <a:cubicBezTo>
-                    <a:pt x="8252" y="334"/>
-                    <a:pt x="10526" y="2608"/>
-                    <a:pt x="10526" y="5430"/>
-                  </a:cubicBezTo>
-                  <a:cubicBezTo>
-                    <a:pt x="10526" y="8240"/>
-                    <a:pt x="8228" y="10514"/>
-                    <a:pt x="5430" y="10514"/>
-                  </a:cubicBezTo>
-                  <a:cubicBezTo>
-                    <a:pt x="2620" y="10514"/>
-                    <a:pt x="346" y="8240"/>
-                    <a:pt x="346" y="5430"/>
-                  </a:cubicBezTo>
-                  <a:cubicBezTo>
-                    <a:pt x="346" y="2608"/>
-                    <a:pt x="2620" y="334"/>
-                    <a:pt x="5430" y="334"/>
-                  </a:cubicBezTo>
-                  <a:close/>
-                  <a:moveTo>
-                    <a:pt x="5430" y="1"/>
-                  </a:moveTo>
-                  <a:cubicBezTo>
-                    <a:pt x="3989" y="1"/>
-                    <a:pt x="2620" y="560"/>
-                    <a:pt x="1596" y="1584"/>
-                  </a:cubicBezTo>
-                  <a:cubicBezTo>
-                    <a:pt x="572" y="2620"/>
-                    <a:pt x="1" y="3989"/>
-                    <a:pt x="1" y="5430"/>
-                  </a:cubicBezTo>
-                  <a:cubicBezTo>
-                    <a:pt x="1" y="6871"/>
-                    <a:pt x="572" y="8240"/>
-                    <a:pt x="1596" y="9264"/>
-                  </a:cubicBezTo>
-                  <a:cubicBezTo>
-                    <a:pt x="2620" y="10300"/>
-                    <a:pt x="3989" y="10859"/>
-                    <a:pt x="5430" y="10859"/>
-                  </a:cubicBezTo>
-                  <a:cubicBezTo>
-                    <a:pt x="6882" y="10859"/>
-                    <a:pt x="8252" y="10300"/>
-                    <a:pt x="9276" y="9264"/>
-                  </a:cubicBezTo>
-                  <a:cubicBezTo>
-                    <a:pt x="10300" y="8240"/>
-                    <a:pt x="10871" y="6871"/>
-                    <a:pt x="10871" y="5430"/>
-                  </a:cubicBezTo>
-                  <a:cubicBezTo>
-                    <a:pt x="10871" y="3989"/>
-                    <a:pt x="10300" y="2620"/>
-                    <a:pt x="9276" y="1584"/>
-                  </a:cubicBezTo>
-                  <a:cubicBezTo>
-                    <a:pt x="8252" y="560"/>
-                    <a:pt x="6882" y="1"/>
-                    <a:pt x="5430" y="1"/>
-                  </a:cubicBezTo>
-                  <a:close/>
-                </a:path>
-              </a:pathLst>
-            </a:custGeom>
-            <a:solidFill>
-              <a:schemeClr val="accent5"/>
-            </a:solidFill>
-            <a:ln>
-              <a:noFill/>
-            </a:ln>
-          </p:spPr>
-          <p:txBody>
-            <a:bodyPr spcFirstLastPara="1" wrap="square" lIns="91425" tIns="91425" rIns="91425" bIns="91425" anchor="ctr" anchorCtr="0">
-              <a:noAutofit/>
-            </a:bodyPr>
-            <a:lstStyle/>
-            <a:p>
-              <a:pPr marL="0" lvl="0" indent="0" algn="l" rtl="0">
-                <a:spcBef>
-                  <a:spcPts val="0"/>
-                </a:spcBef>
-                <a:spcAft>
-                  <a:spcPts val="0"/>
-                </a:spcAft>
-                <a:buNone/>
-              </a:pPr>
-              <a:endParaRPr/>
-            </a:p>
-          </p:txBody>
-        </p:sp>
-        <p:sp>
-          <p:nvSpPr>
-            <p:cNvPr id="860" name="Google Shape;860;p55"/>
-            <p:cNvSpPr/>
-            <p:nvPr/>
-          </p:nvSpPr>
-          <p:spPr>
-            <a:xfrm>
-              <a:off x="3831933" y="3955682"/>
-              <a:ext cx="47809" cy="120540"/>
-            </a:xfrm>
-            <a:custGeom>
-              <a:avLst/>
-              <a:gdLst/>
-              <a:ahLst/>
-              <a:cxnLst/>
-              <a:rect l="l" t="t" r="r" b="b"/>
-              <a:pathLst>
-                <a:path w="1502" h="3787" extrusionOk="0">
-                  <a:moveTo>
-                    <a:pt x="1168" y="346"/>
-                  </a:moveTo>
-                  <a:lnTo>
-                    <a:pt x="1168" y="3430"/>
-                  </a:lnTo>
-                  <a:lnTo>
-                    <a:pt x="358" y="3430"/>
-                  </a:lnTo>
-                  <a:lnTo>
-                    <a:pt x="358" y="346"/>
-                  </a:lnTo>
-                  <a:close/>
-                  <a:moveTo>
-                    <a:pt x="180" y="1"/>
-                  </a:moveTo>
-                  <a:cubicBezTo>
-                    <a:pt x="96" y="1"/>
-                    <a:pt x="1" y="72"/>
-                    <a:pt x="1" y="179"/>
-                  </a:cubicBezTo>
-                  <a:lnTo>
-                    <a:pt x="1" y="3608"/>
-                  </a:lnTo>
-                  <a:cubicBezTo>
-                    <a:pt x="1" y="3703"/>
-                    <a:pt x="72" y="3787"/>
-                    <a:pt x="180" y="3787"/>
-                  </a:cubicBezTo>
-                  <a:lnTo>
-                    <a:pt x="1323" y="3787"/>
-                  </a:lnTo>
-                  <a:cubicBezTo>
-                    <a:pt x="1418" y="3787"/>
-                    <a:pt x="1501" y="3715"/>
-                    <a:pt x="1501" y="3608"/>
-                  </a:cubicBezTo>
-                  <a:lnTo>
-                    <a:pt x="1501" y="179"/>
-                  </a:lnTo>
-                  <a:cubicBezTo>
-                    <a:pt x="1501" y="72"/>
-                    <a:pt x="1430" y="1"/>
-                    <a:pt x="1323" y="1"/>
-                  </a:cubicBezTo>
-                  <a:close/>
-                </a:path>
-              </a:pathLst>
-            </a:custGeom>
-            <a:solidFill>
-              <a:schemeClr val="accent5"/>
-            </a:solidFill>
-            <a:ln>
-              <a:noFill/>
-            </a:ln>
-          </p:spPr>
-          <p:txBody>
-            <a:bodyPr spcFirstLastPara="1" wrap="square" lIns="91425" tIns="91425" rIns="91425" bIns="91425" anchor="ctr" anchorCtr="0">
-              <a:noAutofit/>
-            </a:bodyPr>
-            <a:lstStyle/>
-            <a:p>
-              <a:pPr marL="0" lvl="0" indent="0" algn="l" rtl="0">
-                <a:spcBef>
-                  <a:spcPts val="0"/>
-                </a:spcBef>
-                <a:spcAft>
-                  <a:spcPts val="0"/>
-                </a:spcAft>
-                <a:buNone/>
-              </a:pPr>
-              <a:endParaRPr/>
-            </a:p>
-          </p:txBody>
-        </p:sp>
-        <p:sp>
-          <p:nvSpPr>
-            <p:cNvPr id="861" name="Google Shape;861;p55"/>
-            <p:cNvSpPr/>
-            <p:nvPr/>
-          </p:nvSpPr>
-          <p:spPr>
-            <a:xfrm>
-              <a:off x="3824739" y="3890112"/>
-              <a:ext cx="55002" cy="55002"/>
-            </a:xfrm>
-            <a:custGeom>
-              <a:avLst/>
-              <a:gdLst/>
-              <a:ahLst/>
-              <a:cxnLst/>
-              <a:rect l="l" t="t" r="r" b="b"/>
-              <a:pathLst>
-                <a:path w="1728" h="1728" extrusionOk="0">
-                  <a:moveTo>
-                    <a:pt x="870" y="334"/>
-                  </a:moveTo>
-                  <a:cubicBezTo>
-                    <a:pt x="1156" y="334"/>
-                    <a:pt x="1394" y="572"/>
-                    <a:pt x="1394" y="846"/>
-                  </a:cubicBezTo>
-                  <a:cubicBezTo>
-                    <a:pt x="1394" y="1132"/>
-                    <a:pt x="1156" y="1370"/>
-                    <a:pt x="870" y="1370"/>
-                  </a:cubicBezTo>
-                  <a:cubicBezTo>
-                    <a:pt x="584" y="1370"/>
-                    <a:pt x="346" y="1132"/>
-                    <a:pt x="346" y="846"/>
-                  </a:cubicBezTo>
-                  <a:cubicBezTo>
-                    <a:pt x="346" y="572"/>
-                    <a:pt x="584" y="334"/>
-                    <a:pt x="870" y="334"/>
-                  </a:cubicBezTo>
-                  <a:close/>
-                  <a:moveTo>
-                    <a:pt x="870" y="1"/>
-                  </a:moveTo>
-                  <a:cubicBezTo>
-                    <a:pt x="394" y="1"/>
-                    <a:pt x="1" y="394"/>
-                    <a:pt x="1" y="870"/>
-                  </a:cubicBezTo>
-                  <a:cubicBezTo>
-                    <a:pt x="1" y="1346"/>
-                    <a:pt x="394" y="1727"/>
-                    <a:pt x="870" y="1727"/>
-                  </a:cubicBezTo>
-                  <a:cubicBezTo>
-                    <a:pt x="1346" y="1727"/>
-                    <a:pt x="1727" y="1334"/>
-                    <a:pt x="1727" y="870"/>
-                  </a:cubicBezTo>
-                  <a:cubicBezTo>
-                    <a:pt x="1727" y="394"/>
-                    <a:pt x="1346" y="1"/>
-                    <a:pt x="870" y="1"/>
-                  </a:cubicBezTo>
-                  <a:close/>
-                </a:path>
-              </a:pathLst>
-            </a:custGeom>
-            <a:solidFill>
-              <a:schemeClr val="accent5"/>
-            </a:solidFill>
-            <a:ln>
-              <a:noFill/>
-            </a:ln>
-          </p:spPr>
-          <p:txBody>
-            <a:bodyPr spcFirstLastPara="1" wrap="square" lIns="91425" tIns="91425" rIns="91425" bIns="91425" anchor="ctr" anchorCtr="0">
-              <a:noAutofit/>
-            </a:bodyPr>
-            <a:lstStyle/>
-            <a:p>
-              <a:pPr marL="0" lvl="0" indent="0" algn="l" rtl="0">
-                <a:spcBef>
-                  <a:spcPts val="0"/>
-                </a:spcBef>
-                <a:spcAft>
-                  <a:spcPts val="0"/>
-                </a:spcAft>
-                <a:buNone/>
-              </a:pPr>
-              <a:endParaRPr/>
-            </a:p>
-          </p:txBody>
-        </p:sp>
-        <p:sp>
-          <p:nvSpPr>
-            <p:cNvPr id="862" name="Google Shape;862;p55"/>
-            <p:cNvSpPr/>
-            <p:nvPr/>
-          </p:nvSpPr>
-          <p:spPr>
-            <a:xfrm>
-              <a:off x="3904696" y="3955682"/>
-              <a:ext cx="128148" cy="120540"/>
-            </a:xfrm>
-            <a:custGeom>
-              <a:avLst/>
-              <a:gdLst/>
-              <a:ahLst/>
-              <a:cxnLst/>
-              <a:rect l="l" t="t" r="r" b="b"/>
-              <a:pathLst>
-                <a:path w="4026" h="3787" extrusionOk="0">
-                  <a:moveTo>
-                    <a:pt x="191" y="1"/>
-                  </a:moveTo>
-                  <a:cubicBezTo>
-                    <a:pt x="96" y="1"/>
-                    <a:pt x="1" y="72"/>
-                    <a:pt x="1" y="179"/>
-                  </a:cubicBezTo>
-                  <a:lnTo>
-                    <a:pt x="1" y="3608"/>
-                  </a:lnTo>
-                  <a:cubicBezTo>
-                    <a:pt x="1" y="3703"/>
-                    <a:pt x="84" y="3787"/>
-                    <a:pt x="191" y="3787"/>
-                  </a:cubicBezTo>
-                  <a:lnTo>
-                    <a:pt x="1334" y="3787"/>
-                  </a:lnTo>
-                  <a:cubicBezTo>
-                    <a:pt x="1418" y="3787"/>
-                    <a:pt x="1513" y="3715"/>
-                    <a:pt x="1513" y="3608"/>
-                  </a:cubicBezTo>
-                  <a:lnTo>
-                    <a:pt x="1513" y="2382"/>
-                  </a:lnTo>
-                  <a:cubicBezTo>
-                    <a:pt x="1513" y="1977"/>
-                    <a:pt x="1596" y="1501"/>
-                    <a:pt x="2037" y="1501"/>
-                  </a:cubicBezTo>
-                  <a:cubicBezTo>
-                    <a:pt x="2347" y="1501"/>
-                    <a:pt x="2477" y="1763"/>
-                    <a:pt x="2525" y="2060"/>
-                  </a:cubicBezTo>
-                  <a:cubicBezTo>
-                    <a:pt x="2537" y="2156"/>
-                    <a:pt x="2608" y="2215"/>
-                    <a:pt x="2692" y="2215"/>
-                  </a:cubicBezTo>
-                  <a:cubicBezTo>
-                    <a:pt x="2787" y="2215"/>
-                    <a:pt x="2870" y="2120"/>
-                    <a:pt x="2847" y="2025"/>
-                  </a:cubicBezTo>
-                  <a:cubicBezTo>
-                    <a:pt x="2763" y="1465"/>
-                    <a:pt x="2477" y="1155"/>
-                    <a:pt x="2013" y="1155"/>
-                  </a:cubicBezTo>
-                  <a:cubicBezTo>
-                    <a:pt x="1465" y="1155"/>
-                    <a:pt x="1156" y="1608"/>
-                    <a:pt x="1156" y="2382"/>
-                  </a:cubicBezTo>
-                  <a:lnTo>
-                    <a:pt x="1156" y="3430"/>
-                  </a:lnTo>
-                  <a:lnTo>
-                    <a:pt x="346" y="3430"/>
-                  </a:lnTo>
-                  <a:lnTo>
-                    <a:pt x="346" y="358"/>
-                  </a:lnTo>
-                  <a:lnTo>
-                    <a:pt x="918" y="358"/>
-                  </a:lnTo>
-                  <a:lnTo>
-                    <a:pt x="918" y="572"/>
-                  </a:lnTo>
-                  <a:cubicBezTo>
-                    <a:pt x="918" y="632"/>
-                    <a:pt x="930" y="679"/>
-                    <a:pt x="977" y="715"/>
-                  </a:cubicBezTo>
-                  <a:cubicBezTo>
-                    <a:pt x="1007" y="733"/>
-                    <a:pt x="1043" y="742"/>
-                    <a:pt x="1078" y="742"/>
-                  </a:cubicBezTo>
-                  <a:cubicBezTo>
-                    <a:pt x="1114" y="742"/>
-                    <a:pt x="1150" y="733"/>
-                    <a:pt x="1180" y="715"/>
-                  </a:cubicBezTo>
-                  <a:cubicBezTo>
-                    <a:pt x="1477" y="477"/>
-                    <a:pt x="1835" y="358"/>
-                    <a:pt x="2227" y="358"/>
-                  </a:cubicBezTo>
-                  <a:cubicBezTo>
-                    <a:pt x="3204" y="358"/>
-                    <a:pt x="3656" y="1191"/>
-                    <a:pt x="3656" y="2001"/>
-                  </a:cubicBezTo>
-                  <a:lnTo>
-                    <a:pt x="3656" y="3430"/>
-                  </a:lnTo>
-                  <a:lnTo>
-                    <a:pt x="2847" y="3430"/>
-                  </a:lnTo>
-                  <a:lnTo>
-                    <a:pt x="2847" y="2870"/>
-                  </a:lnTo>
-                  <a:cubicBezTo>
-                    <a:pt x="2847" y="2775"/>
-                    <a:pt x="2775" y="2703"/>
-                    <a:pt x="2692" y="2703"/>
-                  </a:cubicBezTo>
-                  <a:cubicBezTo>
-                    <a:pt x="2597" y="2703"/>
-                    <a:pt x="2525" y="2775"/>
-                    <a:pt x="2525" y="2870"/>
-                  </a:cubicBezTo>
-                  <a:lnTo>
-                    <a:pt x="2525" y="3596"/>
-                  </a:lnTo>
-                  <a:cubicBezTo>
-                    <a:pt x="2525" y="3691"/>
-                    <a:pt x="2597" y="3775"/>
-                    <a:pt x="2704" y="3775"/>
-                  </a:cubicBezTo>
-                  <a:lnTo>
-                    <a:pt x="3847" y="3775"/>
-                  </a:lnTo>
-                  <a:cubicBezTo>
-                    <a:pt x="3942" y="3775"/>
-                    <a:pt x="4025" y="3703"/>
-                    <a:pt x="4025" y="3596"/>
-                  </a:cubicBezTo>
-                  <a:lnTo>
-                    <a:pt x="4025" y="1989"/>
-                  </a:lnTo>
-                  <a:cubicBezTo>
-                    <a:pt x="4025" y="810"/>
-                    <a:pt x="3299" y="1"/>
-                    <a:pt x="2239" y="1"/>
-                  </a:cubicBezTo>
-                  <a:cubicBezTo>
-                    <a:pt x="1894" y="1"/>
-                    <a:pt x="1573" y="84"/>
-                    <a:pt x="1275" y="251"/>
-                  </a:cubicBezTo>
-                  <a:lnTo>
-                    <a:pt x="1275" y="179"/>
-                  </a:lnTo>
-                  <a:cubicBezTo>
-                    <a:pt x="1275" y="84"/>
-                    <a:pt x="1204" y="1"/>
-                    <a:pt x="1096" y="1"/>
-                  </a:cubicBezTo>
-                  <a:close/>
-                </a:path>
-              </a:pathLst>
-            </a:custGeom>
-            <a:solidFill>
-              <a:schemeClr val="accent5"/>
-            </a:solidFill>
-            <a:ln>
-              <a:noFill/>
-            </a:ln>
-          </p:spPr>
-          <p:txBody>
-            <a:bodyPr spcFirstLastPara="1" wrap="square" lIns="91425" tIns="91425" rIns="91425" bIns="91425" anchor="ctr" anchorCtr="0">
-              <a:noAutofit/>
-            </a:bodyPr>
-            <a:lstStyle/>
-            <a:p>
-              <a:pPr marL="0" lvl="0" indent="0" algn="l" rtl="0">
-                <a:spcBef>
-                  <a:spcPts val="0"/>
-                </a:spcBef>
-                <a:spcAft>
-                  <a:spcPts val="0"/>
-                </a:spcAft>
-                <a:buNone/>
-              </a:pPr>
-              <a:endParaRPr/>
-            </a:p>
-          </p:txBody>
-        </p:sp>
-      </p:grpSp>
-      <p:sp>
-        <p:nvSpPr>
-          <p:cNvPr id="863" name="Google Shape;863;p55"/>
-          <p:cNvSpPr txBox="1">
-            <a:spLocks noGrp="1"/>
-          </p:cNvSpPr>
-          <p:nvPr>
-            <p:ph type="title"/>
-          </p:nvPr>
-        </p:nvSpPr>
-        <p:spPr>
-          <a:xfrm>
-            <a:off x="2710300" y="849375"/>
-            <a:ext cx="3648000" cy="867600"/>
-          </a:xfrm>
-          <a:prstGeom prst="rect">
-            <a:avLst/>
-          </a:prstGeom>
-        </p:spPr>
-        <p:txBody>
-          <a:bodyPr spcFirstLastPara="1" wrap="square" lIns="91425" tIns="91425" rIns="91425" bIns="91425" anchor="b" anchorCtr="0">
-            <a:noAutofit/>
-          </a:bodyPr>
-          <a:lstStyle/>
-          <a:p>
-            <a:pPr marL="0" lvl="0" indent="0" algn="ctr" rtl="0">
-              <a:spcBef>
-                <a:spcPts val="0"/>
-              </a:spcBef>
-              <a:spcAft>
-                <a:spcPts val="0"/>
-              </a:spcAft>
-              <a:buNone/>
-            </a:pPr>
-            <a:r>
-              <a:rPr lang="en" dirty="0"/>
-              <a:t>THANKS!</a:t>
-            </a:r>
-            <a:endParaRPr dirty="0"/>
-          </a:p>
-        </p:txBody>
-      </p:sp>
-      <p:grpSp>
-        <p:nvGrpSpPr>
-          <p:cNvPr id="18" name="Google Shape;414;p37">
-            <a:extLst>
-              <a:ext uri="{FF2B5EF4-FFF2-40B4-BE49-F238E27FC236}">
-                <a16:creationId xmlns:a16="http://schemas.microsoft.com/office/drawing/2014/main" id="{E0A83385-6FF6-44AB-886B-5DA00CC379DF}"/>
-              </a:ext>
-            </a:extLst>
-          </p:cNvPr>
-          <p:cNvGrpSpPr/>
-          <p:nvPr/>
-        </p:nvGrpSpPr>
-        <p:grpSpPr>
-          <a:xfrm>
-            <a:off x="2438400" y="-789709"/>
-            <a:ext cx="4287981" cy="5417127"/>
-            <a:chOff x="1248486" y="738825"/>
-            <a:chExt cx="6646939" cy="3665950"/>
-          </a:xfrm>
-        </p:grpSpPr>
-        <p:sp>
-          <p:nvSpPr>
-            <p:cNvPr id="19" name="Google Shape;415;p37">
-              <a:extLst>
-                <a:ext uri="{FF2B5EF4-FFF2-40B4-BE49-F238E27FC236}">
-                  <a16:creationId xmlns:a16="http://schemas.microsoft.com/office/drawing/2014/main" id="{9030E76A-1626-4F43-A4DA-39173A4BB4A2}"/>
-                </a:ext>
-              </a:extLst>
-            </p:cNvPr>
-            <p:cNvSpPr/>
-            <p:nvPr/>
-          </p:nvSpPr>
-          <p:spPr>
-            <a:xfrm>
-              <a:off x="1271525" y="759175"/>
-              <a:ext cx="6595500" cy="3645600"/>
-            </a:xfrm>
-            <a:prstGeom prst="rect">
-              <a:avLst/>
-            </a:prstGeom>
-            <a:solidFill>
-              <a:schemeClr val="accent1"/>
-            </a:solidFill>
-            <a:ln>
-              <a:noFill/>
-            </a:ln>
-          </p:spPr>
-          <p:txBody>
-            <a:bodyPr spcFirstLastPara="1" wrap="square" lIns="91425" tIns="91425" rIns="91425" bIns="91425" anchor="ctr" anchorCtr="0">
-              <a:noAutofit/>
-            </a:bodyPr>
-            <a:lstStyle/>
-            <a:p>
-              <a:pPr marL="0" lvl="0" indent="0" algn="l" rtl="0">
-                <a:spcBef>
-                  <a:spcPts val="0"/>
-                </a:spcBef>
-                <a:spcAft>
-                  <a:spcPts val="0"/>
-                </a:spcAft>
-                <a:buNone/>
-              </a:pPr>
-              <a:endParaRPr dirty="0"/>
-            </a:p>
-          </p:txBody>
-        </p:sp>
-        <p:sp>
-          <p:nvSpPr>
-            <p:cNvPr id="20" name="Google Shape;416;p37">
-              <a:extLst>
-                <a:ext uri="{FF2B5EF4-FFF2-40B4-BE49-F238E27FC236}">
-                  <a16:creationId xmlns:a16="http://schemas.microsoft.com/office/drawing/2014/main" id="{A1D75C93-0735-4EFB-8604-94FD74AEB0D3}"/>
-                </a:ext>
-              </a:extLst>
-            </p:cNvPr>
-            <p:cNvSpPr/>
-            <p:nvPr/>
-          </p:nvSpPr>
-          <p:spPr>
-            <a:xfrm rot="5400000">
-              <a:off x="2739044" y="-751734"/>
-              <a:ext cx="3665822" cy="6646939"/>
-            </a:xfrm>
-            <a:custGeom>
-              <a:avLst/>
-              <a:gdLst/>
-              <a:ahLst/>
-              <a:cxnLst/>
-              <a:rect l="l" t="t" r="r" b="b"/>
-              <a:pathLst>
-                <a:path w="47852" h="71534" extrusionOk="0">
-                  <a:moveTo>
-                    <a:pt x="47852" y="71533"/>
-                  </a:moveTo>
-                  <a:lnTo>
-                    <a:pt x="0" y="71533"/>
-                  </a:lnTo>
-                  <a:lnTo>
-                    <a:pt x="0" y="0"/>
-                  </a:lnTo>
-                  <a:lnTo>
-                    <a:pt x="47852" y="0"/>
-                  </a:lnTo>
-                  <a:close/>
-                  <a:moveTo>
-                    <a:pt x="441" y="71093"/>
-                  </a:moveTo>
-                  <a:lnTo>
-                    <a:pt x="47411" y="71093"/>
-                  </a:lnTo>
-                  <a:lnTo>
-                    <a:pt x="47411" y="453"/>
-                  </a:lnTo>
-                  <a:lnTo>
-                    <a:pt x="441" y="453"/>
-                  </a:lnTo>
-                  <a:close/>
-                </a:path>
-              </a:pathLst>
-            </a:custGeom>
-            <a:gradFill>
-              <a:gsLst>
-                <a:gs pos="0">
-                  <a:schemeClr val="accent6"/>
-                </a:gs>
-                <a:gs pos="50000">
-                  <a:schemeClr val="accent4"/>
-                </a:gs>
-                <a:gs pos="100000">
-                  <a:schemeClr val="accent5"/>
-                </a:gs>
-              </a:gsLst>
-              <a:lin ang="5400012" scaled="0"/>
-            </a:gradFill>
-            <a:ln>
-              <a:noFill/>
-            </a:ln>
-          </p:spPr>
-          <p:txBody>
-            <a:bodyPr spcFirstLastPara="1" wrap="square" lIns="91425" tIns="91425" rIns="91425" bIns="91425" anchor="ctr" anchorCtr="0">
-              <a:noAutofit/>
-            </a:bodyPr>
-            <a:lstStyle/>
-            <a:p>
-              <a:pPr marL="0" lvl="0" indent="0" algn="l" rtl="0">
-                <a:spcBef>
-                  <a:spcPts val="0"/>
-                </a:spcBef>
-                <a:spcAft>
-                  <a:spcPts val="0"/>
-                </a:spcAft>
-                <a:buNone/>
-              </a:pPr>
-              <a:endParaRPr/>
-            </a:p>
-          </p:txBody>
-        </p:sp>
-      </p:grpSp>
-      <p:sp>
-        <p:nvSpPr>
-          <p:cNvPr id="17" name="Google Shape;863;p55">
-            <a:extLst>
-              <a:ext uri="{FF2B5EF4-FFF2-40B4-BE49-F238E27FC236}">
-                <a16:creationId xmlns:a16="http://schemas.microsoft.com/office/drawing/2014/main" id="{FD75A432-5656-408B-8876-23450F75844B}"/>
-              </a:ext>
-            </a:extLst>
-          </p:cNvPr>
-          <p:cNvSpPr txBox="1">
-            <a:spLocks/>
-          </p:cNvSpPr>
-          <p:nvPr/>
-        </p:nvSpPr>
-        <p:spPr>
-          <a:xfrm>
-            <a:off x="2748000" y="2099271"/>
-            <a:ext cx="3648000" cy="867600"/>
-          </a:xfrm>
-          <a:prstGeom prst="rect">
-            <a:avLst/>
-          </a:prstGeom>
-          <a:noFill/>
-          <a:ln>
-            <a:noFill/>
-          </a:ln>
-        </p:spPr>
-        <p:txBody>
-          <a:bodyPr spcFirstLastPara="1" wrap="square" lIns="91425" tIns="91425" rIns="91425" bIns="91425" anchor="b" anchorCtr="0">
-            <a:noAutofit/>
-          </a:bodyPr>
-          <a:lstStyle>
-            <a:defPPr marR="0" lvl="0" algn="l" rtl="0">
-              <a:lnSpc>
-                <a:spcPct val="100000"/>
-              </a:lnSpc>
-              <a:spcBef>
-                <a:spcPts val="0"/>
-              </a:spcBef>
-              <a:spcAft>
-                <a:spcPts val="0"/>
-              </a:spcAft>
-            </a:defPPr>
-            <a:lvl1pPr marR="0" lvl="0" algn="ctr" rtl="0">
-              <a:lnSpc>
-                <a:spcPct val="100000"/>
-              </a:lnSpc>
-              <a:spcBef>
-                <a:spcPts val="0"/>
-              </a:spcBef>
-              <a:spcAft>
-                <a:spcPts val="0"/>
-              </a:spcAft>
-              <a:buClr>
-                <a:schemeClr val="accent5"/>
-              </a:buClr>
-              <a:buSzPts val="3300"/>
-              <a:buFont typeface="Abel"/>
-              <a:buNone/>
-              <a:defRPr sz="7500" b="0" i="0" u="none" strike="noStrike" cap="none">
-                <a:solidFill>
-                  <a:schemeClr val="accent5"/>
-                </a:solidFill>
-                <a:latin typeface="Abel"/>
-                <a:ea typeface="Abel"/>
-                <a:cs typeface="Abel"/>
-                <a:sym typeface="Abel"/>
-              </a:defRPr>
-            </a:lvl1pPr>
-            <a:lvl2pPr marR="0" lvl="1" algn="ctr" rtl="0">
-              <a:lnSpc>
-                <a:spcPct val="100000"/>
-              </a:lnSpc>
-              <a:spcBef>
-                <a:spcPts val="0"/>
-              </a:spcBef>
-              <a:spcAft>
-                <a:spcPts val="0"/>
-              </a:spcAft>
-              <a:buClr>
-                <a:schemeClr val="accent5"/>
-              </a:buClr>
-              <a:buSzPts val="3300"/>
-              <a:buFont typeface="Abel"/>
-              <a:buNone/>
-              <a:defRPr sz="3300" b="0" i="0" u="none" strike="noStrike" cap="none">
-                <a:solidFill>
-                  <a:schemeClr val="accent5"/>
-                </a:solidFill>
-                <a:latin typeface="Montserrat"/>
-                <a:ea typeface="Montserrat"/>
-                <a:cs typeface="Montserrat"/>
-                <a:sym typeface="Montserrat"/>
-              </a:defRPr>
-            </a:lvl2pPr>
-            <a:lvl3pPr marR="0" lvl="2" algn="ctr" rtl="0">
-              <a:lnSpc>
-                <a:spcPct val="100000"/>
-              </a:lnSpc>
-              <a:spcBef>
-                <a:spcPts val="0"/>
-              </a:spcBef>
-              <a:spcAft>
-                <a:spcPts val="0"/>
-              </a:spcAft>
-              <a:buClr>
-                <a:schemeClr val="accent5"/>
-              </a:buClr>
-              <a:buSzPts val="3300"/>
-              <a:buFont typeface="Abel"/>
-              <a:buNone/>
-              <a:defRPr sz="3300" b="0" i="0" u="none" strike="noStrike" cap="none">
-                <a:solidFill>
-                  <a:schemeClr val="accent5"/>
-                </a:solidFill>
-                <a:latin typeface="Montserrat"/>
-                <a:ea typeface="Montserrat"/>
-                <a:cs typeface="Montserrat"/>
-                <a:sym typeface="Montserrat"/>
-              </a:defRPr>
-            </a:lvl3pPr>
-            <a:lvl4pPr marR="0" lvl="3" algn="ctr" rtl="0">
-              <a:lnSpc>
-                <a:spcPct val="100000"/>
-              </a:lnSpc>
-              <a:spcBef>
-                <a:spcPts val="0"/>
-              </a:spcBef>
-              <a:spcAft>
-                <a:spcPts val="0"/>
-              </a:spcAft>
-              <a:buClr>
-                <a:schemeClr val="accent5"/>
-              </a:buClr>
-              <a:buSzPts val="3300"/>
-              <a:buFont typeface="Abel"/>
-              <a:buNone/>
-              <a:defRPr sz="3300" b="0" i="0" u="none" strike="noStrike" cap="none">
-                <a:solidFill>
-                  <a:schemeClr val="accent5"/>
-                </a:solidFill>
-                <a:latin typeface="Montserrat"/>
-                <a:ea typeface="Montserrat"/>
-                <a:cs typeface="Montserrat"/>
-                <a:sym typeface="Montserrat"/>
-              </a:defRPr>
-            </a:lvl4pPr>
-            <a:lvl5pPr marR="0" lvl="4" algn="ctr" rtl="0">
-              <a:lnSpc>
-                <a:spcPct val="100000"/>
-              </a:lnSpc>
-              <a:spcBef>
-                <a:spcPts val="0"/>
-              </a:spcBef>
-              <a:spcAft>
-                <a:spcPts val="0"/>
-              </a:spcAft>
-              <a:buClr>
-                <a:schemeClr val="accent5"/>
-              </a:buClr>
-              <a:buSzPts val="3300"/>
-              <a:buFont typeface="Abel"/>
-              <a:buNone/>
-              <a:defRPr sz="3300" b="0" i="0" u="none" strike="noStrike" cap="none">
-                <a:solidFill>
-                  <a:schemeClr val="accent5"/>
-                </a:solidFill>
-                <a:latin typeface="Montserrat"/>
-                <a:ea typeface="Montserrat"/>
-                <a:cs typeface="Montserrat"/>
-                <a:sym typeface="Montserrat"/>
-              </a:defRPr>
-            </a:lvl5pPr>
-            <a:lvl6pPr marR="0" lvl="5" algn="ctr" rtl="0">
-              <a:lnSpc>
-                <a:spcPct val="100000"/>
-              </a:lnSpc>
-              <a:spcBef>
-                <a:spcPts val="0"/>
-              </a:spcBef>
-              <a:spcAft>
-                <a:spcPts val="0"/>
-              </a:spcAft>
-              <a:buClr>
-                <a:schemeClr val="accent5"/>
-              </a:buClr>
-              <a:buSzPts val="3300"/>
-              <a:buFont typeface="Abel"/>
-              <a:buNone/>
-              <a:defRPr sz="3300" b="0" i="0" u="none" strike="noStrike" cap="none">
-                <a:solidFill>
-                  <a:schemeClr val="accent5"/>
-                </a:solidFill>
-                <a:latin typeface="Montserrat"/>
-                <a:ea typeface="Montserrat"/>
-                <a:cs typeface="Montserrat"/>
-                <a:sym typeface="Montserrat"/>
-              </a:defRPr>
-            </a:lvl6pPr>
-            <a:lvl7pPr marR="0" lvl="6" algn="ctr" rtl="0">
-              <a:lnSpc>
-                <a:spcPct val="100000"/>
-              </a:lnSpc>
-              <a:spcBef>
-                <a:spcPts val="0"/>
-              </a:spcBef>
-              <a:spcAft>
-                <a:spcPts val="0"/>
-              </a:spcAft>
-              <a:buClr>
-                <a:schemeClr val="accent5"/>
-              </a:buClr>
-              <a:buSzPts val="3300"/>
-              <a:buFont typeface="Abel"/>
-              <a:buNone/>
-              <a:defRPr sz="3300" b="0" i="0" u="none" strike="noStrike" cap="none">
-                <a:solidFill>
-                  <a:schemeClr val="accent5"/>
-                </a:solidFill>
-                <a:latin typeface="Montserrat"/>
-                <a:ea typeface="Montserrat"/>
-                <a:cs typeface="Montserrat"/>
-                <a:sym typeface="Montserrat"/>
-              </a:defRPr>
-            </a:lvl7pPr>
-            <a:lvl8pPr marR="0" lvl="7" algn="ctr" rtl="0">
-              <a:lnSpc>
-                <a:spcPct val="100000"/>
-              </a:lnSpc>
-              <a:spcBef>
-                <a:spcPts val="0"/>
-              </a:spcBef>
-              <a:spcAft>
-                <a:spcPts val="0"/>
-              </a:spcAft>
-              <a:buClr>
-                <a:schemeClr val="accent5"/>
-              </a:buClr>
-              <a:buSzPts val="3300"/>
-              <a:buFont typeface="Abel"/>
-              <a:buNone/>
-              <a:defRPr sz="3300" b="0" i="0" u="none" strike="noStrike" cap="none">
-                <a:solidFill>
-                  <a:schemeClr val="accent5"/>
-                </a:solidFill>
-                <a:latin typeface="Montserrat"/>
-                <a:ea typeface="Montserrat"/>
-                <a:cs typeface="Montserrat"/>
-                <a:sym typeface="Montserrat"/>
-              </a:defRPr>
-            </a:lvl8pPr>
-            <a:lvl9pPr marR="0" lvl="8" algn="ctr" rtl="0">
-              <a:lnSpc>
-                <a:spcPct val="100000"/>
-              </a:lnSpc>
-              <a:spcBef>
-                <a:spcPts val="0"/>
-              </a:spcBef>
-              <a:spcAft>
-                <a:spcPts val="0"/>
-              </a:spcAft>
-              <a:buClr>
-                <a:schemeClr val="accent5"/>
-              </a:buClr>
-              <a:buSzPts val="3300"/>
-              <a:buFont typeface="Abel"/>
-              <a:buNone/>
-              <a:defRPr sz="3300" b="0" i="0" u="none" strike="noStrike" cap="none">
-                <a:solidFill>
-                  <a:schemeClr val="accent5"/>
-                </a:solidFill>
-                <a:latin typeface="Montserrat"/>
-                <a:ea typeface="Montserrat"/>
-                <a:cs typeface="Montserrat"/>
-                <a:sym typeface="Montserrat"/>
-              </a:defRPr>
-            </a:lvl9pPr>
-          </a:lstStyle>
-          <a:p>
-            <a:r>
-              <a:rPr lang="en-US" b="1" dirty="0"/>
-              <a:t>THANKS!</a:t>
-            </a:r>
-          </a:p>
-        </p:txBody>
-      </p:sp>
-      <p:sp>
-        <p:nvSpPr>
-          <p:cNvPr id="21" name="Google Shape;520;p40">
-            <a:extLst>
-              <a:ext uri="{FF2B5EF4-FFF2-40B4-BE49-F238E27FC236}">
-                <a16:creationId xmlns:a16="http://schemas.microsoft.com/office/drawing/2014/main" id="{1BE55B16-82D9-4D28-A142-8FEB4A6E5F34}"/>
-              </a:ext>
-            </a:extLst>
-          </p:cNvPr>
-          <p:cNvSpPr txBox="1">
-            <a:spLocks/>
-          </p:cNvSpPr>
-          <p:nvPr/>
-        </p:nvSpPr>
-        <p:spPr>
-          <a:xfrm>
-            <a:off x="2748000" y="2950903"/>
-            <a:ext cx="3647999" cy="343500"/>
-          </a:xfrm>
-          <a:prstGeom prst="rect">
-            <a:avLst/>
-          </a:prstGeom>
-          <a:noFill/>
-          <a:ln>
-            <a:noFill/>
-          </a:ln>
-        </p:spPr>
-        <p:txBody>
-          <a:bodyPr spcFirstLastPara="1" wrap="square" lIns="91425" tIns="91425" rIns="91425" bIns="91425" anchor="ctr" anchorCtr="0">
-            <a:noAutofit/>
-          </a:bodyPr>
-          <a:lstStyle>
-            <a:defPPr marR="0" lvl="0" algn="l" rtl="0">
-              <a:lnSpc>
-                <a:spcPct val="100000"/>
-              </a:lnSpc>
-              <a:spcBef>
-                <a:spcPts val="0"/>
-              </a:spcBef>
-              <a:spcAft>
-                <a:spcPts val="0"/>
-              </a:spcAft>
-            </a:defPPr>
-            <a:lvl1pPr marL="457200" marR="0" lvl="0" indent="-317500" algn="l" rtl="0">
-              <a:lnSpc>
-                <a:spcPct val="100000"/>
-              </a:lnSpc>
-              <a:spcBef>
-                <a:spcPts val="0"/>
-              </a:spcBef>
-              <a:spcAft>
-                <a:spcPts val="0"/>
-              </a:spcAft>
-              <a:buClr>
-                <a:schemeClr val="accent3"/>
-              </a:buClr>
-              <a:buSzPts val="1400"/>
-              <a:buFont typeface="Montserrat"/>
-              <a:buChar char="●"/>
-              <a:defRPr sz="1400" b="0" i="0" u="none" strike="noStrike" cap="none">
-                <a:solidFill>
-                  <a:schemeClr val="accent3"/>
-                </a:solidFill>
-                <a:latin typeface="Montserrat"/>
-                <a:ea typeface="Montserrat"/>
-                <a:cs typeface="Montserrat"/>
-                <a:sym typeface="Montserrat"/>
-              </a:defRPr>
-            </a:lvl1pPr>
-            <a:lvl2pPr marL="914400" marR="0" lvl="1" indent="-317500" algn="l" rtl="0">
-              <a:lnSpc>
-                <a:spcPct val="100000"/>
-              </a:lnSpc>
-              <a:spcBef>
-                <a:spcPts val="0"/>
-              </a:spcBef>
-              <a:spcAft>
-                <a:spcPts val="0"/>
-              </a:spcAft>
-              <a:buClr>
-                <a:schemeClr val="accent3"/>
-              </a:buClr>
-              <a:buSzPts val="1400"/>
-              <a:buFont typeface="Montserrat"/>
-              <a:buChar char="○"/>
-              <a:defRPr sz="1400" b="0" i="0" u="none" strike="noStrike" cap="none">
-                <a:solidFill>
-                  <a:schemeClr val="accent3"/>
-                </a:solidFill>
-                <a:latin typeface="Montserrat"/>
-                <a:ea typeface="Montserrat"/>
-                <a:cs typeface="Montserrat"/>
-                <a:sym typeface="Montserrat"/>
-              </a:defRPr>
-            </a:lvl2pPr>
-            <a:lvl3pPr marL="1371600" marR="0" lvl="2" indent="-317500" algn="l" rtl="0">
-              <a:lnSpc>
-                <a:spcPct val="100000"/>
-              </a:lnSpc>
-              <a:spcBef>
-                <a:spcPts val="0"/>
-              </a:spcBef>
-              <a:spcAft>
-                <a:spcPts val="0"/>
-              </a:spcAft>
-              <a:buClr>
-                <a:schemeClr val="accent3"/>
-              </a:buClr>
-              <a:buSzPts val="1400"/>
-              <a:buFont typeface="Montserrat"/>
-              <a:buChar char="■"/>
-              <a:defRPr sz="1400" b="0" i="0" u="none" strike="noStrike" cap="none">
-                <a:solidFill>
-                  <a:schemeClr val="accent3"/>
-                </a:solidFill>
-                <a:latin typeface="Montserrat"/>
-                <a:ea typeface="Montserrat"/>
-                <a:cs typeface="Montserrat"/>
-                <a:sym typeface="Montserrat"/>
-              </a:defRPr>
-            </a:lvl3pPr>
-            <a:lvl4pPr marL="1828800" marR="0" lvl="3" indent="-317500" algn="l" rtl="0">
-              <a:lnSpc>
-                <a:spcPct val="100000"/>
-              </a:lnSpc>
-              <a:spcBef>
-                <a:spcPts val="0"/>
-              </a:spcBef>
-              <a:spcAft>
-                <a:spcPts val="0"/>
-              </a:spcAft>
-              <a:buClr>
-                <a:schemeClr val="accent3"/>
-              </a:buClr>
-              <a:buSzPts val="1400"/>
-              <a:buFont typeface="Montserrat"/>
-              <a:buChar char="●"/>
-              <a:defRPr sz="1400" b="0" i="0" u="none" strike="noStrike" cap="none">
-                <a:solidFill>
-                  <a:schemeClr val="accent3"/>
-                </a:solidFill>
-                <a:latin typeface="Montserrat"/>
-                <a:ea typeface="Montserrat"/>
-                <a:cs typeface="Montserrat"/>
-                <a:sym typeface="Montserrat"/>
-              </a:defRPr>
-            </a:lvl4pPr>
-            <a:lvl5pPr marL="2286000" marR="0" lvl="4" indent="-317500" algn="l" rtl="0">
-              <a:lnSpc>
-                <a:spcPct val="100000"/>
-              </a:lnSpc>
-              <a:spcBef>
-                <a:spcPts val="0"/>
-              </a:spcBef>
-              <a:spcAft>
-                <a:spcPts val="0"/>
-              </a:spcAft>
-              <a:buClr>
-                <a:schemeClr val="accent3"/>
-              </a:buClr>
-              <a:buSzPts val="1400"/>
-              <a:buFont typeface="Montserrat"/>
-              <a:buChar char="○"/>
-              <a:defRPr sz="1400" b="0" i="0" u="none" strike="noStrike" cap="none">
-                <a:solidFill>
-                  <a:schemeClr val="accent3"/>
-                </a:solidFill>
-                <a:latin typeface="Montserrat"/>
-                <a:ea typeface="Montserrat"/>
-                <a:cs typeface="Montserrat"/>
-                <a:sym typeface="Montserrat"/>
-              </a:defRPr>
-            </a:lvl5pPr>
-            <a:lvl6pPr marL="2743200" marR="0" lvl="5" indent="-317500" algn="l" rtl="0">
-              <a:lnSpc>
-                <a:spcPct val="100000"/>
-              </a:lnSpc>
-              <a:spcBef>
-                <a:spcPts val="0"/>
-              </a:spcBef>
-              <a:spcAft>
-                <a:spcPts val="0"/>
-              </a:spcAft>
-              <a:buClr>
-                <a:schemeClr val="accent3"/>
-              </a:buClr>
-              <a:buSzPts val="1400"/>
-              <a:buFont typeface="Montserrat"/>
-              <a:buChar char="■"/>
-              <a:defRPr sz="1400" b="0" i="0" u="none" strike="noStrike" cap="none">
-                <a:solidFill>
-                  <a:schemeClr val="accent3"/>
-                </a:solidFill>
-                <a:latin typeface="Montserrat"/>
-                <a:ea typeface="Montserrat"/>
-                <a:cs typeface="Montserrat"/>
-                <a:sym typeface="Montserrat"/>
-              </a:defRPr>
-            </a:lvl6pPr>
-            <a:lvl7pPr marL="3200400" marR="0" lvl="6" indent="-317500" algn="l" rtl="0">
-              <a:lnSpc>
-                <a:spcPct val="100000"/>
-              </a:lnSpc>
-              <a:spcBef>
-                <a:spcPts val="0"/>
-              </a:spcBef>
-              <a:spcAft>
-                <a:spcPts val="0"/>
-              </a:spcAft>
-              <a:buClr>
-                <a:schemeClr val="accent3"/>
-              </a:buClr>
-              <a:buSzPts val="1400"/>
-              <a:buFont typeface="Montserrat"/>
-              <a:buChar char="●"/>
-              <a:defRPr sz="1400" b="0" i="0" u="none" strike="noStrike" cap="none">
-                <a:solidFill>
-                  <a:schemeClr val="accent3"/>
-                </a:solidFill>
-                <a:latin typeface="Montserrat"/>
-                <a:ea typeface="Montserrat"/>
-                <a:cs typeface="Montserrat"/>
-                <a:sym typeface="Montserrat"/>
-              </a:defRPr>
-            </a:lvl7pPr>
-            <a:lvl8pPr marL="3657600" marR="0" lvl="7" indent="-317500" algn="l" rtl="0">
-              <a:lnSpc>
-                <a:spcPct val="100000"/>
-              </a:lnSpc>
-              <a:spcBef>
-                <a:spcPts val="0"/>
-              </a:spcBef>
-              <a:spcAft>
-                <a:spcPts val="0"/>
-              </a:spcAft>
-              <a:buClr>
-                <a:schemeClr val="accent3"/>
-              </a:buClr>
-              <a:buSzPts val="1400"/>
-              <a:buFont typeface="Montserrat"/>
-              <a:buChar char="○"/>
-              <a:defRPr sz="1400" b="0" i="0" u="none" strike="noStrike" cap="none">
-                <a:solidFill>
-                  <a:schemeClr val="accent3"/>
-                </a:solidFill>
-                <a:latin typeface="Montserrat"/>
-                <a:ea typeface="Montserrat"/>
-                <a:cs typeface="Montserrat"/>
-                <a:sym typeface="Montserrat"/>
-              </a:defRPr>
-            </a:lvl8pPr>
-            <a:lvl9pPr marL="4114800" marR="0" lvl="8" indent="-317500" algn="l" rtl="0">
-              <a:lnSpc>
-                <a:spcPct val="100000"/>
-              </a:lnSpc>
-              <a:spcBef>
-                <a:spcPts val="0"/>
-              </a:spcBef>
-              <a:spcAft>
-                <a:spcPts val="0"/>
-              </a:spcAft>
-              <a:buClr>
-                <a:schemeClr val="accent3"/>
-              </a:buClr>
-              <a:buSzPts val="1400"/>
-              <a:buFont typeface="Montserrat"/>
-              <a:buChar char="■"/>
-              <a:defRPr sz="1400" b="0" i="0" u="none" strike="noStrike" cap="none">
-                <a:solidFill>
-                  <a:schemeClr val="accent3"/>
-                </a:solidFill>
-                <a:latin typeface="Montserrat"/>
-                <a:ea typeface="Montserrat"/>
-                <a:cs typeface="Montserrat"/>
-                <a:sym typeface="Montserrat"/>
-              </a:defRPr>
-            </a:lvl9pPr>
-          </a:lstStyle>
-          <a:p>
-            <a:pPr marL="0" indent="0" algn="ctr">
-              <a:buFont typeface="Montserrat"/>
-              <a:buNone/>
-            </a:pPr>
-            <a:r>
-              <a:rPr lang="en-US" sz="1800" dirty="0">
-                <a:solidFill>
-                  <a:schemeClr val="accent5"/>
-                </a:solidFill>
-                <a:latin typeface="Abel"/>
-                <a:ea typeface="Abel"/>
-                <a:cs typeface="Abel"/>
-                <a:sym typeface="Abel"/>
-              </a:rPr>
-              <a:t>Any questions?</a:t>
-            </a:r>
-          </a:p>
-        </p:txBody>
-      </p:sp>
-    </p:spTree>
   </p:cSld>
   <p:clrMapOvr>
     <a:masterClrMapping/>
